--- a/Open day poster/poster display.pptx
+++ b/Open day poster/poster display.pptx
@@ -113,7 +113,7 @@
 <file path=ppt/charts/chart1.xml><?xml version="1.0" encoding="utf-8"?>
 <c:chartSpace xmlns:c="http://schemas.openxmlformats.org/drawingml/2006/chart" xmlns:a="http://schemas.openxmlformats.org/drawingml/2006/main" xmlns:r="http://schemas.openxmlformats.org/officeDocument/2006/relationships">
   <c:date1904 val="1"/>
-  <c:lang val="en-GB"/>
+  <c:lang val="en-ZA"/>
   <c:style val="10"/>
   <c:chart>
     <c:title>
@@ -123,7 +123,7 @@
           <a:lstStyle/>
           <a:p>
             <a:pPr>
-              <a:defRPr/>
+              <a:defRPr lang="en-GB"/>
             </a:pPr>
             <a:r>
               <a:rPr lang="en-US" sz="1800" b="1" i="0" baseline="0"/>
@@ -137,8 +137,8 @@
         <c:manualLayout>
           <c:xMode val="edge"/>
           <c:yMode val="edge"/>
-          <c:x val="0.14822573764921085"/>
-          <c:y val="9.921671018276762E-2"/>
+          <c:x val="0.14822573764921088"/>
+          <c:y val="9.9216710182767634E-2"/>
         </c:manualLayout>
       </c:layout>
     </c:title>
@@ -150,6 +150,16 @@
           <c:idx val="0"/>
           <c:order val="0"/>
           <c:dLbls>
+            <c:txPr>
+              <a:bodyPr/>
+              <a:lstStyle/>
+              <a:p>
+                <a:pPr>
+                  <a:defRPr lang="en-GB"/>
+                </a:pPr>
+                <a:endParaRPr lang="en-US"/>
+              </a:p>
+            </c:txPr>
             <c:showCatName val="1"/>
             <c:showPercent val="1"/>
           </c:dLbls>
@@ -204,8 +214,301 @@
 
 <file path=ppt/charts/chart10.xml><?xml version="1.0" encoding="utf-8"?>
 <c:chartSpace xmlns:c="http://schemas.openxmlformats.org/drawingml/2006/chart" xmlns:a="http://schemas.openxmlformats.org/drawingml/2006/main" xmlns:r="http://schemas.openxmlformats.org/officeDocument/2006/relationships">
+  <c:lang val="en-ZA"/>
+  <c:chart>
+    <c:title>
+      <c:tx>
+        <c:rich>
+          <a:bodyPr/>
+          <a:lstStyle/>
+          <a:p>
+            <a:pPr>
+              <a:defRPr lang="en-GB"/>
+            </a:pPr>
+            <a:r>
+              <a:rPr lang="en-GB" dirty="0"/>
+              <a:t>Graph depicting user</a:t>
+            </a:r>
+            <a:r>
+              <a:rPr lang="en-GB" baseline="0" dirty="0"/>
+              <a:t> preference of </a:t>
+            </a:r>
+            <a:r>
+              <a:rPr lang="en-GB" dirty="0"/>
+              <a:t>feedback techniques</a:t>
+            </a:r>
+          </a:p>
+        </c:rich>
+      </c:tx>
+      <c:layout/>
+    </c:title>
+    <c:view3D>
+      <c:rAngAx val="1"/>
+    </c:view3D>
+    <c:plotArea>
+      <c:layout/>
+      <c:bar3DChart>
+        <c:barDir val="col"/>
+        <c:grouping val="clustered"/>
+        <c:ser>
+          <c:idx val="0"/>
+          <c:order val="0"/>
+          <c:tx>
+            <c:v>series1</c:v>
+          </c:tx>
+          <c:cat>
+            <c:strRef>
+              <c:f>Sheet1!$D$66:$D$68</c:f>
+              <c:strCache>
+                <c:ptCount val="3"/>
+                <c:pt idx="0">
+                  <c:v>Pop ups</c:v>
+                </c:pt>
+                <c:pt idx="1">
+                  <c:v>Highlighting</c:v>
+                </c:pt>
+                <c:pt idx="2">
+                  <c:v>Verbal</c:v>
+                </c:pt>
+              </c:strCache>
+            </c:strRef>
+          </c:cat>
+          <c:val>
+            <c:numRef>
+              <c:f>Sheet1!$F$66:$F$68</c:f>
+              <c:numCache>
+                <c:formatCode>General</c:formatCode>
+                <c:ptCount val="3"/>
+                <c:pt idx="0">
+                  <c:v>0</c:v>
+                </c:pt>
+                <c:pt idx="1">
+                  <c:v>5</c:v>
+                </c:pt>
+                <c:pt idx="2">
+                  <c:v>2</c:v>
+                </c:pt>
+              </c:numCache>
+            </c:numRef>
+          </c:val>
+        </c:ser>
+        <c:shape val="box"/>
+        <c:axId val="45562496"/>
+        <c:axId val="47709184"/>
+        <c:axId val="0"/>
+      </c:bar3DChart>
+      <c:catAx>
+        <c:axId val="45562496"/>
+        <c:scaling>
+          <c:orientation val="minMax"/>
+        </c:scaling>
+        <c:axPos val="b"/>
+        <c:title>
+          <c:tx>
+            <c:rich>
+              <a:bodyPr/>
+              <a:lstStyle/>
+              <a:p>
+                <a:pPr>
+                  <a:defRPr lang="en-GB"/>
+                </a:pPr>
+                <a:r>
+                  <a:rPr lang="en-GB"/>
+                  <a:t>Feedback techniques</a:t>
+                </a:r>
+              </a:p>
+            </c:rich>
+          </c:tx>
+          <c:layout/>
+        </c:title>
+        <c:majorTickMark val="none"/>
+        <c:tickLblPos val="nextTo"/>
+        <c:txPr>
+          <a:bodyPr/>
+          <a:lstStyle/>
+          <a:p>
+            <a:pPr>
+              <a:defRPr lang="en-GB"/>
+            </a:pPr>
+            <a:endParaRPr lang="en-US"/>
+          </a:p>
+        </c:txPr>
+        <c:crossAx val="47709184"/>
+        <c:crosses val="autoZero"/>
+        <c:auto val="1"/>
+        <c:lblAlgn val="ctr"/>
+        <c:lblOffset val="100"/>
+      </c:catAx>
+      <c:valAx>
+        <c:axId val="47709184"/>
+        <c:scaling>
+          <c:orientation val="minMax"/>
+        </c:scaling>
+        <c:axPos val="l"/>
+        <c:majorGridlines/>
+        <c:title>
+          <c:tx>
+            <c:rich>
+              <a:bodyPr/>
+              <a:lstStyle/>
+              <a:p>
+                <a:pPr>
+                  <a:defRPr lang="en-GB"/>
+                </a:pPr>
+                <a:r>
+                  <a:rPr lang="en-GB"/>
+                  <a:t>Users</a:t>
+                </a:r>
+              </a:p>
+            </c:rich>
+          </c:tx>
+          <c:layout/>
+        </c:title>
+        <c:numFmt formatCode="General" sourceLinked="1"/>
+        <c:tickLblPos val="nextTo"/>
+        <c:txPr>
+          <a:bodyPr/>
+          <a:lstStyle/>
+          <a:p>
+            <a:pPr>
+              <a:defRPr lang="en-GB"/>
+            </a:pPr>
+            <a:endParaRPr lang="en-US"/>
+          </a:p>
+        </c:txPr>
+        <c:crossAx val="45562496"/>
+        <c:crosses val="autoZero"/>
+        <c:crossBetween val="between"/>
+      </c:valAx>
+    </c:plotArea>
+    <c:plotVisOnly val="1"/>
+    <c:dispBlanksAs val="gap"/>
+  </c:chart>
+  <c:externalData r:id="rId1"/>
+</c:chartSpace>
+</file>
+
+<file path=ppt/charts/chart2.xml><?xml version="1.0" encoding="utf-8"?>
+<c:chartSpace xmlns:c="http://schemas.openxmlformats.org/drawingml/2006/chart" xmlns:a="http://schemas.openxmlformats.org/drawingml/2006/main" xmlns:r="http://schemas.openxmlformats.org/officeDocument/2006/relationships">
   <c:date1904 val="1"/>
-  <c:lang val="en-GB"/>
+  <c:lang val="en-ZA"/>
+  <c:style val="10"/>
+  <c:chart>
+    <c:title>
+      <c:tx>
+        <c:rich>
+          <a:bodyPr/>
+          <a:lstStyle/>
+          <a:p>
+            <a:pPr>
+              <a:defRPr lang="en-GB"/>
+            </a:pPr>
+            <a:r>
+              <a:rPr lang="en-US" sz="1800" b="1" i="0" baseline="0" dirty="0" smtClean="0"/>
+              <a:t>Perceived best technique performance</a:t>
+            </a:r>
+            <a:endParaRPr lang="en-US" sz="1800" b="1" i="0" baseline="0" dirty="0"/>
+          </a:p>
+        </c:rich>
+      </c:tx>
+      <c:layout>
+        <c:manualLayout>
+          <c:xMode val="edge"/>
+          <c:yMode val="edge"/>
+          <c:x val="0.17185002098218505"/>
+          <c:y val="7.702881908928369E-2"/>
+        </c:manualLayout>
+      </c:layout>
+    </c:title>
+    <c:plotArea>
+      <c:layout/>
+      <c:pieChart>
+        <c:varyColors val="1"/>
+        <c:ser>
+          <c:idx val="0"/>
+          <c:order val="0"/>
+          <c:tx>
+            <c:v>series1</c:v>
+          </c:tx>
+          <c:dLbls>
+            <c:dLbl>
+              <c:idx val="0"/>
+              <c:layout>
+                <c:manualLayout>
+                  <c:x val="0.27605293041055495"/>
+                  <c:y val="0.11953027150275951"/>
+                </c:manualLayout>
+              </c:layout>
+              <c:showCatName val="1"/>
+              <c:showPercent val="1"/>
+            </c:dLbl>
+            <c:txPr>
+              <a:bodyPr/>
+              <a:lstStyle/>
+              <a:p>
+                <a:pPr>
+                  <a:defRPr lang="en-GB"/>
+                </a:pPr>
+                <a:endParaRPr lang="en-US"/>
+              </a:p>
+            </c:txPr>
+            <c:showCatName val="1"/>
+            <c:showPercent val="1"/>
+          </c:dLbls>
+          <c:cat>
+            <c:strRef>
+              <c:f>'C:\inetpub\wwwroot\Lab-project\Results\[Project Results Form.xlsx]Sheet1'!$I$59:$K$59</c:f>
+              <c:strCache>
+                <c:ptCount val="3"/>
+                <c:pt idx="0">
+                  <c:v>Numerical</c:v>
+                </c:pt>
+                <c:pt idx="1">
+                  <c:v>Spoken link name</c:v>
+                </c:pt>
+                <c:pt idx="2">
+                  <c:v>Both</c:v>
+                </c:pt>
+              </c:strCache>
+            </c:strRef>
+          </c:cat>
+          <c:val>
+            <c:numRef>
+              <c:f>'C:\inetpub\wwwroot\Lab-project\Results\[Project Results Form.xlsx]Sheet1'!$I$61:$K$61</c:f>
+              <c:numCache>
+                <c:formatCode>General</c:formatCode>
+                <c:ptCount val="3"/>
+                <c:pt idx="0">
+                  <c:v>0</c:v>
+                </c:pt>
+                <c:pt idx="1">
+                  <c:v>2</c:v>
+                </c:pt>
+                <c:pt idx="2">
+                  <c:v>1</c:v>
+                </c:pt>
+              </c:numCache>
+            </c:numRef>
+          </c:val>
+        </c:ser>
+        <c:dLbls>
+          <c:showCatName val="1"/>
+          <c:showPercent val="1"/>
+        </c:dLbls>
+        <c:firstSliceAng val="0"/>
+      </c:pieChart>
+    </c:plotArea>
+    <c:plotVisOnly val="1"/>
+  </c:chart>
+  <c:externalData r:id="rId1"/>
+</c:chartSpace>
+</file>
+
+<file path=ppt/charts/chart3.xml><?xml version="1.0" encoding="utf-8"?>
+<c:chartSpace xmlns:c="http://schemas.openxmlformats.org/drawingml/2006/chart" xmlns:a="http://schemas.openxmlformats.org/drawingml/2006/main" xmlns:r="http://schemas.openxmlformats.org/officeDocument/2006/relationships">
+  <c:date1904 val="1"/>
+  <c:lang val="en-ZA"/>
+  <c:style val="10"/>
   <c:chart>
     <c:title>
       <c:tx>
@@ -238,194 +541,8 @@
               </a:defRPr>
             </a:pPr>
             <a:r>
-              <a:rPr lang="en-GB" sz="1400" b="1" i="0" baseline="0" dirty="0"/>
-              <a:t>Average errors between male and female users</a:t>
-            </a:r>
-          </a:p>
-          <a:p>
-            <a:pPr marL="0" marR="0" indent="0" algn="ctr" defTabSz="914400" rtl="0" eaLnBrk="1" fontAlgn="auto" latinLnBrk="0" hangingPunct="1">
-              <a:lnSpc>
-                <a:spcPct val="100000"/>
-              </a:lnSpc>
-              <a:spcBef>
-                <a:spcPts val="0"/>
-              </a:spcBef>
-              <a:spcAft>
-                <a:spcPts val="0"/>
-              </a:spcAft>
-              <a:buClrTx/>
-              <a:buSzTx/>
-              <a:buFontTx/>
-              <a:buNone/>
-              <a:tabLst/>
-              <a:defRPr lang="en-GB" sz="1800" b="1" i="0" u="none" strike="noStrike" kern="1200" baseline="0">
-                <a:solidFill>
-                  <a:sysClr val="windowText" lastClr="000000"/>
-                </a:solidFill>
-                <a:latin typeface="+mn-lt"/>
-                <a:ea typeface="+mn-ea"/>
-                <a:cs typeface="+mn-cs"/>
-              </a:defRPr>
-            </a:pPr>
-            <a:endParaRPr lang="en-GB" dirty="0"/>
-          </a:p>
-        </c:rich>
-      </c:tx>
-      <c:layout/>
-    </c:title>
-    <c:view3D>
-      <c:rAngAx val="1"/>
-    </c:view3D>
-    <c:plotArea>
-      <c:layout/>
-      <c:bar3DChart>
-        <c:barDir val="col"/>
-        <c:grouping val="percentStacked"/>
-        <c:ser>
-          <c:idx val="0"/>
-          <c:order val="0"/>
-          <c:tx>
-            <c:v>Female</c:v>
-          </c:tx>
-          <c:val>
-            <c:numRef>
-              <c:f>Sheet1!$C$227:$C$229</c:f>
-              <c:numCache>
-                <c:formatCode>General</c:formatCode>
-                <c:ptCount val="3"/>
-                <c:pt idx="0">
-                  <c:v>13</c:v>
-                </c:pt>
-                <c:pt idx="1">
-                  <c:v>15</c:v>
-                </c:pt>
-                <c:pt idx="2">
-                  <c:v>18</c:v>
-                </c:pt>
-              </c:numCache>
-            </c:numRef>
-          </c:val>
-        </c:ser>
-        <c:ser>
-          <c:idx val="1"/>
-          <c:order val="1"/>
-          <c:tx>
-            <c:v>Male</c:v>
-          </c:tx>
-          <c:val>
-            <c:numRef>
-              <c:f>Sheet1!$B$227:$B$229</c:f>
-              <c:numCache>
-                <c:formatCode>General</c:formatCode>
-                <c:ptCount val="3"/>
-                <c:pt idx="0">
-                  <c:v>3</c:v>
-                </c:pt>
-                <c:pt idx="1">
-                  <c:v>6</c:v>
-                </c:pt>
-                <c:pt idx="2">
-                  <c:v>9</c:v>
-                </c:pt>
-              </c:numCache>
-            </c:numRef>
-          </c:val>
-        </c:ser>
-        <c:gapWidth val="55"/>
-        <c:gapDepth val="55"/>
-        <c:shape val="box"/>
-        <c:axId val="156259456"/>
-        <c:axId val="156260992"/>
-        <c:axId val="0"/>
-      </c:bar3DChart>
-      <c:catAx>
-        <c:axId val="156259456"/>
-        <c:scaling>
-          <c:orientation val="minMax"/>
-        </c:scaling>
-        <c:axPos val="b"/>
-        <c:numFmt formatCode="General" sourceLinked="1"/>
-        <c:majorTickMark val="none"/>
-        <c:tickLblPos val="nextTo"/>
-        <c:txPr>
-          <a:bodyPr/>
-          <a:lstStyle/>
-          <a:p>
-            <a:pPr>
-              <a:defRPr lang="en-GB"/>
-            </a:pPr>
-            <a:endParaRPr lang="en-US"/>
-          </a:p>
-        </c:txPr>
-        <c:crossAx val="156260992"/>
-        <c:crosses val="autoZero"/>
-        <c:auto val="1"/>
-        <c:lblAlgn val="ctr"/>
-        <c:lblOffset val="100"/>
-      </c:catAx>
-      <c:valAx>
-        <c:axId val="156260992"/>
-        <c:scaling>
-          <c:orientation val="minMax"/>
-        </c:scaling>
-        <c:axPos val="l"/>
-        <c:majorGridlines/>
-        <c:numFmt formatCode="0%" sourceLinked="1"/>
-        <c:majorTickMark val="none"/>
-        <c:tickLblPos val="nextTo"/>
-        <c:txPr>
-          <a:bodyPr/>
-          <a:lstStyle/>
-          <a:p>
-            <a:pPr>
-              <a:defRPr lang="en-GB"/>
-            </a:pPr>
-            <a:endParaRPr lang="en-US"/>
-          </a:p>
-        </c:txPr>
-        <c:crossAx val="156259456"/>
-        <c:crosses val="autoZero"/>
-        <c:crossBetween val="between"/>
-      </c:valAx>
-    </c:plotArea>
-    <c:legend>
-      <c:legendPos val="r"/>
-      <c:layout/>
-      <c:txPr>
-        <a:bodyPr/>
-        <a:lstStyle/>
-        <a:p>
-          <a:pPr>
-            <a:defRPr lang="en-GB"/>
-          </a:pPr>
-          <a:endParaRPr lang="en-US"/>
-        </a:p>
-      </c:txPr>
-    </c:legend>
-    <c:plotVisOnly val="1"/>
-  </c:chart>
-  <c:externalData r:id="rId1"/>
-</c:chartSpace>
-</file>
-
-<file path=ppt/charts/chart2.xml><?xml version="1.0" encoding="utf-8"?>
-<c:chartSpace xmlns:c="http://schemas.openxmlformats.org/drawingml/2006/chart" xmlns:a="http://schemas.openxmlformats.org/drawingml/2006/main" xmlns:r="http://schemas.openxmlformats.org/officeDocument/2006/relationships">
-  <c:date1904 val="1"/>
-  <c:lang val="en-GB"/>
-  <c:style val="10"/>
-  <c:chart>
-    <c:title>
-      <c:tx>
-        <c:rich>
-          <a:bodyPr/>
-          <a:lstStyle/>
-          <a:p>
-            <a:pPr>
-              <a:defRPr/>
-            </a:pPr>
-            <a:r>
-              <a:rPr lang="en-US" sz="1800" b="1" i="0" baseline="0"/>
-              <a:t>Technique performance</a:t>
+              <a:rPr lang="en-GB" sz="1800" b="1" i="0" baseline="0"/>
+              <a:t>User technique preference</a:t>
             </a:r>
           </a:p>
         </c:rich>
@@ -434,8 +551,8 @@
         <c:manualLayout>
           <c:xMode val="edge"/>
           <c:yMode val="edge"/>
-          <c:x val="0.17185002098218505"/>
-          <c:y val="7.7028819089283676E-2"/>
+          <c:x val="0.14205807506800189"/>
+          <c:y val="8.9121887287024915E-2"/>
         </c:manualLayout>
       </c:layout>
     </c:title>
@@ -443,186 +560,6 @@
       <c:layout/>
       <c:pieChart>
         <c:varyColors val="1"/>
-        <c:ser>
-          <c:idx val="0"/>
-          <c:order val="0"/>
-          <c:tx>
-            <c:v>series1</c:v>
-          </c:tx>
-          <c:dLbls>
-            <c:dLbl>
-              <c:idx val="0"/>
-              <c:layout>
-                <c:manualLayout>
-                  <c:x val="0.27605293041055495"/>
-                  <c:y val="0.11953027150275948"/>
-                </c:manualLayout>
-              </c:layout>
-              <c:showCatName val="1"/>
-              <c:showPercent val="1"/>
-            </c:dLbl>
-            <c:showCatName val="1"/>
-            <c:showPercent val="1"/>
-          </c:dLbls>
-          <c:cat>
-            <c:strRef>
-              <c:f>'C:\inetpub\wwwroot\Lab-project\Results\[Project Results Form.xlsx]Sheet1'!$I$59:$K$59</c:f>
-              <c:strCache>
-                <c:ptCount val="3"/>
-                <c:pt idx="0">
-                  <c:v>Numerical</c:v>
-                </c:pt>
-                <c:pt idx="1">
-                  <c:v>Spoken link name</c:v>
-                </c:pt>
-                <c:pt idx="2">
-                  <c:v>Both</c:v>
-                </c:pt>
-              </c:strCache>
-            </c:strRef>
-          </c:cat>
-          <c:val>
-            <c:numRef>
-              <c:f>'C:\inetpub\wwwroot\Lab-project\Results\[Project Results Form.xlsx]Sheet1'!$I$61:$K$61</c:f>
-              <c:numCache>
-                <c:formatCode>General</c:formatCode>
-                <c:ptCount val="3"/>
-                <c:pt idx="0">
-                  <c:v>0</c:v>
-                </c:pt>
-                <c:pt idx="1">
-                  <c:v>2</c:v>
-                </c:pt>
-                <c:pt idx="2">
-                  <c:v>1</c:v>
-                </c:pt>
-              </c:numCache>
-            </c:numRef>
-          </c:val>
-        </c:ser>
-        <c:dLbls>
-          <c:showCatName val="1"/>
-          <c:showPercent val="1"/>
-        </c:dLbls>
-        <c:firstSliceAng val="0"/>
-      </c:pieChart>
-    </c:plotArea>
-    <c:plotVisOnly val="1"/>
-  </c:chart>
-  <c:externalData r:id="rId1"/>
-</c:chartSpace>
-</file>
-
-<file path=ppt/charts/chart3.xml><?xml version="1.0" encoding="utf-8"?>
-<c:chartSpace xmlns:c="http://schemas.openxmlformats.org/drawingml/2006/chart" xmlns:a="http://schemas.openxmlformats.org/drawingml/2006/main" xmlns:r="http://schemas.openxmlformats.org/officeDocument/2006/relationships">
-  <c:date1904 val="1"/>
-  <c:lang val="en-GB"/>
-  <c:style val="10"/>
-  <c:chart>
-    <c:title>
-      <c:tx>
-        <c:rich>
-          <a:bodyPr/>
-          <a:lstStyle/>
-          <a:p>
-            <a:pPr marL="0" marR="0" indent="0" algn="ctr" defTabSz="914400" rtl="0" eaLnBrk="1" fontAlgn="auto" latinLnBrk="0" hangingPunct="1">
-              <a:lnSpc>
-                <a:spcPct val="100000"/>
-              </a:lnSpc>
-              <a:spcBef>
-                <a:spcPts val="0"/>
-              </a:spcBef>
-              <a:spcAft>
-                <a:spcPts val="0"/>
-              </a:spcAft>
-              <a:buClrTx/>
-              <a:buSzTx/>
-              <a:buFontTx/>
-              <a:buNone/>
-              <a:tabLst/>
-              <a:defRPr sz="1800" b="1" i="0" u="none" strike="noStrike" kern="1200" baseline="0">
-                <a:solidFill>
-                  <a:sysClr val="windowText" lastClr="000000"/>
-                </a:solidFill>
-                <a:latin typeface="+mn-lt"/>
-                <a:ea typeface="+mn-ea"/>
-                <a:cs typeface="+mn-cs"/>
-              </a:defRPr>
-            </a:pPr>
-            <a:r>
-              <a:rPr lang="en-GB" sz="1800" b="1" i="0" baseline="0"/>
-              <a:t>User technique preference</a:t>
-            </a:r>
-          </a:p>
-        </c:rich>
-      </c:tx>
-      <c:layout>
-        <c:manualLayout>
-          <c:xMode val="edge"/>
-          <c:yMode val="edge"/>
-          <c:x val="0.14205807506800189"/>
-          <c:y val="8.9121887287024901E-2"/>
-        </c:manualLayout>
-      </c:layout>
-    </c:title>
-    <c:plotArea>
-      <c:layout/>
-      <c:pieChart>
-        <c:varyColors val="1"/>
-        <c:ser>
-          <c:idx val="1"/>
-          <c:order val="0"/>
-          <c:tx>
-            <c:strRef>
-              <c:f>Sheet1!$F$14:$H$14</c:f>
-              <c:strCache>
-                <c:ptCount val="1"/>
-                <c:pt idx="0">
-                  <c:v>1 1 1</c:v>
-                </c:pt>
-              </c:strCache>
-            </c:strRef>
-          </c:tx>
-          <c:dLbls>
-            <c:showCatName val="1"/>
-            <c:showPercent val="1"/>
-          </c:dLbls>
-          <c:cat>
-            <c:strRef>
-              <c:f>Sheet1!$F$11:$H$11</c:f>
-              <c:strCache>
-                <c:ptCount val="3"/>
-                <c:pt idx="0">
-                  <c:v>Numerical</c:v>
-                </c:pt>
-                <c:pt idx="1">
-                  <c:v>Spoken link name</c:v>
-                </c:pt>
-                <c:pt idx="2">
-                  <c:v>Both</c:v>
-                </c:pt>
-              </c:strCache>
-            </c:strRef>
-          </c:cat>
-          <c:val>
-            <c:numRef>
-              <c:f>Sheet1!$F$14:$H$14</c:f>
-              <c:numCache>
-                <c:formatCode>General</c:formatCode>
-                <c:ptCount val="3"/>
-                <c:pt idx="0">
-                  <c:v>1</c:v>
-                </c:pt>
-                <c:pt idx="1">
-                  <c:v>1</c:v>
-                </c:pt>
-                <c:pt idx="2">
-                  <c:v>1</c:v>
-                </c:pt>
-              </c:numCache>
-            </c:numRef>
-          </c:val>
-        </c:ser>
         <c:dLbls>
           <c:showCatName val="1"/>
           <c:showPercent val="1"/>
@@ -639,7 +576,7 @@
 <file path=ppt/charts/chart4.xml><?xml version="1.0" encoding="utf-8"?>
 <c:chartSpace xmlns:c="http://schemas.openxmlformats.org/drawingml/2006/chart" xmlns:a="http://schemas.openxmlformats.org/drawingml/2006/main" xmlns:r="http://schemas.openxmlformats.org/officeDocument/2006/relationships">
   <c:date1904 val="1"/>
-  <c:lang val="en-GB"/>
+  <c:lang val="en-ZA"/>
   <c:style val="10"/>
   <c:chart>
     <c:title>
@@ -649,10 +586,10 @@
           <a:lstStyle/>
           <a:p>
             <a:pPr>
-              <a:defRPr/>
+              <a:defRPr lang="en-GB"/>
             </a:pPr>
             <a:r>
-              <a:rPr lang="en-US"/>
+              <a:rPr lang="en-US" dirty="0"/>
               <a:t>Easiest to use technique</a:t>
             </a:r>
           </a:p>
@@ -662,8 +599,8 @@
         <c:manualLayout>
           <c:xMode val="edge"/>
           <c:yMode val="edge"/>
-          <c:x val="0.11513441254625781"/>
-          <c:y val="9.4534711964549489E-2"/>
+          <c:x val="0.11513441254625784"/>
+          <c:y val="9.4534711964549531E-2"/>
         </c:manualLayout>
       </c:layout>
     </c:title>
@@ -675,6 +612,16 @@
           <c:idx val="0"/>
           <c:order val="0"/>
           <c:dLbls>
+            <c:txPr>
+              <a:bodyPr/>
+              <a:lstStyle/>
+              <a:p>
+                <a:pPr>
+                  <a:defRPr lang="en-GB"/>
+                </a:pPr>
+                <a:endParaRPr lang="en-US"/>
+              </a:p>
+            </c:txPr>
             <c:showCatName val="1"/>
             <c:showPercent val="1"/>
           </c:dLbls>
@@ -730,7 +677,7 @@
 <file path=ppt/charts/chart5.xml><?xml version="1.0" encoding="utf-8"?>
 <c:chartSpace xmlns:c="http://schemas.openxmlformats.org/drawingml/2006/chart" xmlns:a="http://schemas.openxmlformats.org/drawingml/2006/main" xmlns:r="http://schemas.openxmlformats.org/officeDocument/2006/relationships">
   <c:date1904 val="1"/>
-  <c:lang val="en-GB"/>
+  <c:lang val="en-ZA"/>
   <c:style val="10"/>
   <c:chart>
     <c:title>
@@ -740,12 +687,21 @@
           <a:lstStyle/>
           <a:p>
             <a:pPr>
-              <a:defRPr/>
+              <a:defRPr lang="en-GB"/>
             </a:pPr>
             <a:r>
-              <a:rPr lang="en-US" dirty="0"/>
-              <a:t>Technique performance</a:t>
-            </a:r>
+              <a:rPr lang="en-US" dirty="0" smtClean="0"/>
+              <a:t>Perceived</a:t>
+            </a:r>
+            <a:r>
+              <a:rPr lang="en-US" baseline="0" dirty="0" smtClean="0"/>
+              <a:t> best technique </a:t>
+            </a:r>
+            <a:r>
+              <a:rPr lang="en-US" dirty="0" smtClean="0"/>
+              <a:t>performance</a:t>
+            </a:r>
+            <a:endParaRPr lang="en-US" dirty="0"/>
           </a:p>
         </c:rich>
       </c:tx>
@@ -753,8 +709,8 @@
         <c:manualLayout>
           <c:xMode val="edge"/>
           <c:yMode val="edge"/>
-          <c:x val="0.12208054061086079"/>
-          <c:y val="8.9635814801466818E-2"/>
+          <c:x val="0.12208054061086078"/>
+          <c:y val="8.9635814801466845E-2"/>
         </c:manualLayout>
       </c:layout>
     </c:title>
@@ -769,6 +725,16 @@
             <c:v>series1</c:v>
           </c:tx>
           <c:dLbls>
+            <c:txPr>
+              <a:bodyPr/>
+              <a:lstStyle/>
+              <a:p>
+                <a:pPr>
+                  <a:defRPr lang="en-GB"/>
+                </a:pPr>
+                <a:endParaRPr lang="en-US"/>
+              </a:p>
+            </c:txPr>
             <c:showCatName val="1"/>
             <c:showPercent val="1"/>
           </c:dLbls>
@@ -824,106 +790,7 @@
 <file path=ppt/charts/chart6.xml><?xml version="1.0" encoding="utf-8"?>
 <c:chartSpace xmlns:c="http://schemas.openxmlformats.org/drawingml/2006/chart" xmlns:a="http://schemas.openxmlformats.org/drawingml/2006/main" xmlns:r="http://schemas.openxmlformats.org/officeDocument/2006/relationships">
   <c:date1904 val="1"/>
-  <c:lang val="en-GB"/>
-  <c:style val="10"/>
-  <c:chart>
-    <c:title>
-      <c:tx>
-        <c:rich>
-          <a:bodyPr/>
-          <a:lstStyle/>
-          <a:p>
-            <a:pPr>
-              <a:defRPr/>
-            </a:pPr>
-            <a:r>
-              <a:rPr lang="en-GB" dirty="0"/>
-              <a:t>User</a:t>
-            </a:r>
-            <a:r>
-              <a:rPr lang="en-GB" baseline="0" dirty="0"/>
-              <a:t> technique preference</a:t>
-            </a:r>
-            <a:endParaRPr lang="en-GB" dirty="0"/>
-          </a:p>
-        </c:rich>
-      </c:tx>
-      <c:layout>
-        <c:manualLayout>
-          <c:xMode val="edge"/>
-          <c:yMode val="edge"/>
-          <c:x val="0.15326170019632265"/>
-          <c:y val="8.7731341762795526E-2"/>
-        </c:manualLayout>
-      </c:layout>
-    </c:title>
-    <c:plotArea>
-      <c:layout/>
-      <c:pieChart>
-        <c:varyColors val="1"/>
-        <c:ser>
-          <c:idx val="0"/>
-          <c:order val="0"/>
-          <c:tx>
-            <c:v>series1</c:v>
-          </c:tx>
-          <c:dLbls>
-            <c:showCatName val="1"/>
-            <c:showPercent val="1"/>
-          </c:dLbls>
-          <c:cat>
-            <c:strRef>
-              <c:f>Sheet1!$H$60:$J$60</c:f>
-              <c:strCache>
-                <c:ptCount val="3"/>
-                <c:pt idx="0">
-                  <c:v>Numerical</c:v>
-                </c:pt>
-                <c:pt idx="1">
-                  <c:v>Spoken link name</c:v>
-                </c:pt>
-                <c:pt idx="2">
-                  <c:v>Both</c:v>
-                </c:pt>
-              </c:strCache>
-            </c:strRef>
-          </c:cat>
-          <c:val>
-            <c:numRef>
-              <c:f>Sheet1!$H$63:$J$63</c:f>
-              <c:numCache>
-                <c:formatCode>General</c:formatCode>
-                <c:ptCount val="3"/>
-                <c:pt idx="0">
-                  <c:v>4</c:v>
-                </c:pt>
-                <c:pt idx="1">
-                  <c:v>2</c:v>
-                </c:pt>
-                <c:pt idx="2">
-                  <c:v>1</c:v>
-                </c:pt>
-              </c:numCache>
-            </c:numRef>
-          </c:val>
-        </c:ser>
-        <c:dLbls>
-          <c:showCatName val="1"/>
-          <c:showPercent val="1"/>
-        </c:dLbls>
-        <c:firstSliceAng val="0"/>
-      </c:pieChart>
-    </c:plotArea>
-    <c:plotVisOnly val="1"/>
-  </c:chart>
-  <c:externalData r:id="rId1"/>
-</c:chartSpace>
-</file>
-
-<file path=ppt/charts/chart7.xml><?xml version="1.0" encoding="utf-8"?>
-<c:chartSpace xmlns:c="http://schemas.openxmlformats.org/drawingml/2006/chart" xmlns:a="http://schemas.openxmlformats.org/drawingml/2006/main" xmlns:r="http://schemas.openxmlformats.org/officeDocument/2006/relationships">
-  <c:date1904 val="1"/>
-  <c:lang val="en-GB"/>
+  <c:lang val="en-ZA"/>
   <c:chart>
     <c:title>
       <c:tx>
@@ -1059,12 +926,12 @@
         <c:gapWidth val="55"/>
         <c:gapDepth val="55"/>
         <c:shape val="box"/>
-        <c:axId val="149718912"/>
-        <c:axId val="151658496"/>
+        <c:axId val="39706624"/>
+        <c:axId val="39708160"/>
         <c:axId val="0"/>
       </c:bar3DChart>
       <c:catAx>
-        <c:axId val="149718912"/>
+        <c:axId val="39706624"/>
         <c:scaling>
           <c:orientation val="minMax"/>
         </c:scaling>
@@ -1081,14 +948,14 @@
             <a:endParaRPr lang="en-US"/>
           </a:p>
         </c:txPr>
-        <c:crossAx val="151658496"/>
+        <c:crossAx val="39708160"/>
         <c:crosses val="autoZero"/>
         <c:auto val="1"/>
         <c:lblAlgn val="ctr"/>
         <c:lblOffset val="100"/>
       </c:catAx>
       <c:valAx>
-        <c:axId val="151658496"/>
+        <c:axId val="39708160"/>
         <c:scaling>
           <c:orientation val="minMax"/>
         </c:scaling>
@@ -1107,7 +974,245 @@
             <a:endParaRPr lang="en-US"/>
           </a:p>
         </c:txPr>
-        <c:crossAx val="149718912"/>
+        <c:crossAx val="39706624"/>
+        <c:crosses val="autoZero"/>
+        <c:crossBetween val="between"/>
+      </c:valAx>
+    </c:plotArea>
+    <c:legend>
+      <c:legendPos val="r"/>
+      <c:layout/>
+      <c:txPr>
+        <a:bodyPr/>
+        <a:lstStyle/>
+        <a:p>
+          <a:pPr>
+            <a:defRPr lang="en-GB"/>
+          </a:pPr>
+          <a:endParaRPr lang="en-US"/>
+        </a:p>
+      </c:txPr>
+    </c:legend>
+    <c:plotVisOnly val="1"/>
+  </c:chart>
+  <c:externalData r:id="rId1"/>
+</c:chartSpace>
+</file>
+
+<file path=ppt/charts/chart7.xml><?xml version="1.0" encoding="utf-8"?>
+<c:chartSpace xmlns:c="http://schemas.openxmlformats.org/drawingml/2006/chart" xmlns:a="http://schemas.openxmlformats.org/drawingml/2006/main" xmlns:r="http://schemas.openxmlformats.org/officeDocument/2006/relationships">
+  <c:date1904 val="1"/>
+  <c:lang val="en-ZA"/>
+  <c:chart>
+    <c:title>
+      <c:tx>
+        <c:rich>
+          <a:bodyPr/>
+          <a:lstStyle/>
+          <a:p>
+            <a:pPr>
+              <a:defRPr lang="en-GB"/>
+            </a:pPr>
+            <a:r>
+              <a:rPr lang="en-GB" sz="1400" dirty="0"/>
+              <a:t>User preference between referencing</a:t>
+            </a:r>
+            <a:r>
+              <a:rPr lang="en-GB" sz="1400" baseline="0" dirty="0"/>
+              <a:t> styles</a:t>
+            </a:r>
+            <a:endParaRPr lang="en-GB" sz="1400" dirty="0"/>
+          </a:p>
+        </c:rich>
+      </c:tx>
+      <c:layout/>
+    </c:title>
+    <c:view3D>
+      <c:rAngAx val="1"/>
+    </c:view3D>
+    <c:plotArea>
+      <c:layout/>
+      <c:bar3DChart>
+        <c:barDir val="col"/>
+        <c:grouping val="percentStacked"/>
+        <c:ser>
+          <c:idx val="0"/>
+          <c:order val="0"/>
+          <c:tx>
+            <c:v>Numerical</c:v>
+          </c:tx>
+          <c:cat>
+            <c:strRef>
+              <c:f>Sheet1!$A$143:$A$145</c:f>
+              <c:strCache>
+                <c:ptCount val="3"/>
+                <c:pt idx="0">
+                  <c:v>Iteration 1</c:v>
+                </c:pt>
+                <c:pt idx="1">
+                  <c:v>Iteration 2</c:v>
+                </c:pt>
+                <c:pt idx="2">
+                  <c:v>Iteration 3</c:v>
+                </c:pt>
+              </c:strCache>
+            </c:strRef>
+          </c:cat>
+          <c:val>
+            <c:numRef>
+              <c:f>Sheet1!$C$143:$C$145</c:f>
+              <c:numCache>
+                <c:formatCode>General</c:formatCode>
+                <c:ptCount val="3"/>
+                <c:pt idx="0">
+                  <c:v>4</c:v>
+                </c:pt>
+                <c:pt idx="1">
+                  <c:v>1</c:v>
+                </c:pt>
+                <c:pt idx="2">
+                  <c:v>3</c:v>
+                </c:pt>
+              </c:numCache>
+            </c:numRef>
+          </c:val>
+        </c:ser>
+        <c:ser>
+          <c:idx val="1"/>
+          <c:order val="1"/>
+          <c:tx>
+            <c:v>Link name</c:v>
+          </c:tx>
+          <c:cat>
+            <c:strRef>
+              <c:f>Sheet1!$A$143:$A$145</c:f>
+              <c:strCache>
+                <c:ptCount val="3"/>
+                <c:pt idx="0">
+                  <c:v>Iteration 1</c:v>
+                </c:pt>
+                <c:pt idx="1">
+                  <c:v>Iteration 2</c:v>
+                </c:pt>
+                <c:pt idx="2">
+                  <c:v>Iteration 3</c:v>
+                </c:pt>
+              </c:strCache>
+            </c:strRef>
+          </c:cat>
+          <c:val>
+            <c:numRef>
+              <c:f>Sheet1!$D$143:$D$145</c:f>
+              <c:numCache>
+                <c:formatCode>General</c:formatCode>
+                <c:ptCount val="3"/>
+                <c:pt idx="0">
+                  <c:v>2</c:v>
+                </c:pt>
+                <c:pt idx="1">
+                  <c:v>1</c:v>
+                </c:pt>
+                <c:pt idx="2">
+                  <c:v>3</c:v>
+                </c:pt>
+              </c:numCache>
+            </c:numRef>
+          </c:val>
+        </c:ser>
+        <c:ser>
+          <c:idx val="2"/>
+          <c:order val="2"/>
+          <c:tx>
+            <c:v>Both</c:v>
+          </c:tx>
+          <c:cat>
+            <c:strRef>
+              <c:f>Sheet1!$A$143:$A$145</c:f>
+              <c:strCache>
+                <c:ptCount val="3"/>
+                <c:pt idx="0">
+                  <c:v>Iteration 1</c:v>
+                </c:pt>
+                <c:pt idx="1">
+                  <c:v>Iteration 2</c:v>
+                </c:pt>
+                <c:pt idx="2">
+                  <c:v>Iteration 3</c:v>
+                </c:pt>
+              </c:strCache>
+            </c:strRef>
+          </c:cat>
+          <c:val>
+            <c:numRef>
+              <c:f>Sheet1!$E$143:$E$145</c:f>
+              <c:numCache>
+                <c:formatCode>General</c:formatCode>
+                <c:ptCount val="3"/>
+                <c:pt idx="0">
+                  <c:v>1</c:v>
+                </c:pt>
+                <c:pt idx="1">
+                  <c:v>1</c:v>
+                </c:pt>
+                <c:pt idx="2">
+                  <c:v>0</c:v>
+                </c:pt>
+              </c:numCache>
+            </c:numRef>
+          </c:val>
+        </c:ser>
+        <c:gapWidth val="55"/>
+        <c:gapDepth val="55"/>
+        <c:shape val="box"/>
+        <c:axId val="39812096"/>
+        <c:axId val="39817984"/>
+        <c:axId val="0"/>
+      </c:bar3DChart>
+      <c:catAx>
+        <c:axId val="39812096"/>
+        <c:scaling>
+          <c:orientation val="minMax"/>
+        </c:scaling>
+        <c:axPos val="b"/>
+        <c:majorTickMark val="none"/>
+        <c:tickLblPos val="nextTo"/>
+        <c:txPr>
+          <a:bodyPr/>
+          <a:lstStyle/>
+          <a:p>
+            <a:pPr>
+              <a:defRPr lang="en-GB"/>
+            </a:pPr>
+            <a:endParaRPr lang="en-US"/>
+          </a:p>
+        </c:txPr>
+        <c:crossAx val="39817984"/>
+        <c:crosses val="autoZero"/>
+        <c:auto val="1"/>
+        <c:lblAlgn val="ctr"/>
+        <c:lblOffset val="100"/>
+      </c:catAx>
+      <c:valAx>
+        <c:axId val="39817984"/>
+        <c:scaling>
+          <c:orientation val="minMax"/>
+        </c:scaling>
+        <c:axPos val="l"/>
+        <c:majorGridlines/>
+        <c:numFmt formatCode="0%" sourceLinked="1"/>
+        <c:majorTickMark val="none"/>
+        <c:tickLblPos val="nextTo"/>
+        <c:txPr>
+          <a:bodyPr/>
+          <a:lstStyle/>
+          <a:p>
+            <a:pPr>
+              <a:defRPr lang="en-GB"/>
+            </a:pPr>
+            <a:endParaRPr lang="en-US"/>
+          </a:p>
+        </c:txPr>
+        <c:crossAx val="39812096"/>
         <c:crosses val="autoZero"/>
         <c:crossBetween val="between"/>
       </c:valAx>
@@ -1135,7 +1240,7 @@
 <file path=ppt/charts/chart8.xml><?xml version="1.0" encoding="utf-8"?>
 <c:chartSpace xmlns:c="http://schemas.openxmlformats.org/drawingml/2006/chart" xmlns:a="http://schemas.openxmlformats.org/drawingml/2006/main" xmlns:r="http://schemas.openxmlformats.org/officeDocument/2006/relationships">
   <c:date1904 val="1"/>
-  <c:lang val="en-GB"/>
+  <c:lang val="en-ZA"/>
   <c:chart>
     <c:title>
       <c:tx>
@@ -1147,14 +1252,13 @@
               <a:defRPr lang="en-GB"/>
             </a:pPr>
             <a:r>
-              <a:rPr lang="en-GB" sz="1400" dirty="0"/>
-              <a:t>User preference between referencing</a:t>
-            </a:r>
-            <a:r>
-              <a:rPr lang="en-GB" sz="1400" baseline="0" dirty="0"/>
-              <a:t> styles</a:t>
-            </a:r>
-            <a:endParaRPr lang="en-GB" sz="1400" dirty="0"/>
+              <a:rPr lang="en-GB" sz="1400" b="1" i="0" baseline="0" dirty="0" smtClean="0"/>
+              <a:t>Average </a:t>
+            </a:r>
+            <a:r>
+              <a:rPr lang="en-GB" sz="1400" b="1" i="0" baseline="0" dirty="0"/>
+              <a:t>errors per person in age group</a:t>
+            </a:r>
           </a:p>
         </c:rich>
       </c:tx>
@@ -1164,7 +1268,17 @@
       <c:rAngAx val="1"/>
     </c:view3D>
     <c:plotArea>
-      <c:layout/>
+      <c:layout>
+        <c:manualLayout>
+          <c:layoutTarget val="inner"/>
+          <c:xMode val="edge"/>
+          <c:yMode val="edge"/>
+          <c:x val="0.28345765434775438"/>
+          <c:y val="0.3775956667836905"/>
+          <c:w val="0.65291566794737865"/>
+          <c:h val="0.44736696925623187"/>
+        </c:manualLayout>
+      </c:layout>
       <c:bar3DChart>
         <c:barDir val="col"/>
         <c:grouping val="percentStacked"/>
@@ -1172,39 +1286,47 @@
           <c:idx val="0"/>
           <c:order val="0"/>
           <c:tx>
-            <c:v>Numerical</c:v>
+            <c:strRef>
+              <c:f>Sheet1!$B$191</c:f>
+              <c:strCache>
+                <c:ptCount val="1"/>
+                <c:pt idx="0">
+                  <c:v>55-65</c:v>
+                </c:pt>
+              </c:strCache>
+            </c:strRef>
           </c:tx>
           <c:cat>
             <c:strRef>
-              <c:f>Sheet1!$A$143:$A$145</c:f>
+              <c:f>Sheet1!$C$190:$E$190</c:f>
               <c:strCache>
                 <c:ptCount val="3"/>
                 <c:pt idx="0">
-                  <c:v>Iteration 1</c:v>
+                  <c:v>Iteration1</c:v>
                 </c:pt>
                 <c:pt idx="1">
-                  <c:v>Iteration 2</c:v>
+                  <c:v>Iteration2</c:v>
                 </c:pt>
                 <c:pt idx="2">
-                  <c:v>Iteration 3</c:v>
+                  <c:v>Iteration3 </c:v>
                 </c:pt>
               </c:strCache>
             </c:strRef>
           </c:cat>
           <c:val>
             <c:numRef>
-              <c:f>Sheet1!$C$143:$C$145</c:f>
+              <c:f>Sheet1!$C$191:$E$191</c:f>
               <c:numCache>
                 <c:formatCode>General</c:formatCode>
                 <c:ptCount val="3"/>
                 <c:pt idx="0">
-                  <c:v>4</c:v>
+                  <c:v>5</c:v>
                 </c:pt>
                 <c:pt idx="1">
-                  <c:v>1</c:v>
+                  <c:v>0</c:v>
                 </c:pt>
                 <c:pt idx="2">
-                  <c:v>3</c:v>
+                  <c:v>17</c:v>
                 </c:pt>
               </c:numCache>
             </c:numRef>
@@ -1214,39 +1336,47 @@
           <c:idx val="1"/>
           <c:order val="1"/>
           <c:tx>
-            <c:v>Link name</c:v>
+            <c:strRef>
+              <c:f>Sheet1!$B$192</c:f>
+              <c:strCache>
+                <c:ptCount val="1"/>
+                <c:pt idx="0">
+                  <c:v>65-75</c:v>
+                </c:pt>
+              </c:strCache>
+            </c:strRef>
           </c:tx>
           <c:cat>
             <c:strRef>
-              <c:f>Sheet1!$A$143:$A$145</c:f>
+              <c:f>Sheet1!$C$190:$E$190</c:f>
               <c:strCache>
                 <c:ptCount val="3"/>
                 <c:pt idx="0">
-                  <c:v>Iteration 1</c:v>
+                  <c:v>Iteration1</c:v>
                 </c:pt>
                 <c:pt idx="1">
-                  <c:v>Iteration 2</c:v>
+                  <c:v>Iteration2</c:v>
                 </c:pt>
                 <c:pt idx="2">
-                  <c:v>Iteration 3</c:v>
+                  <c:v>Iteration3 </c:v>
                 </c:pt>
               </c:strCache>
             </c:strRef>
           </c:cat>
           <c:val>
             <c:numRef>
-              <c:f>Sheet1!$D$143:$D$145</c:f>
+              <c:f>Sheet1!$C$192:$E$192</c:f>
               <c:numCache>
                 <c:formatCode>General</c:formatCode>
                 <c:ptCount val="3"/>
                 <c:pt idx="0">
-                  <c:v>2</c:v>
+                  <c:v>14</c:v>
                 </c:pt>
                 <c:pt idx="1">
-                  <c:v>1</c:v>
+                  <c:v>10</c:v>
                 </c:pt>
                 <c:pt idx="2">
-                  <c:v>3</c:v>
+                  <c:v>19</c:v>
                 </c:pt>
               </c:numCache>
             </c:numRef>
@@ -1256,39 +1386,47 @@
           <c:idx val="2"/>
           <c:order val="2"/>
           <c:tx>
-            <c:v>Both</c:v>
+            <c:strRef>
+              <c:f>Sheet1!$B$193</c:f>
+              <c:strCache>
+                <c:ptCount val="1"/>
+                <c:pt idx="0">
+                  <c:v>75-85</c:v>
+                </c:pt>
+              </c:strCache>
+            </c:strRef>
           </c:tx>
           <c:cat>
             <c:strRef>
-              <c:f>Sheet1!$A$143:$A$145</c:f>
+              <c:f>Sheet1!$C$190:$E$190</c:f>
               <c:strCache>
                 <c:ptCount val="3"/>
                 <c:pt idx="0">
-                  <c:v>Iteration 1</c:v>
+                  <c:v>Iteration1</c:v>
                 </c:pt>
                 <c:pt idx="1">
-                  <c:v>Iteration 2</c:v>
+                  <c:v>Iteration2</c:v>
                 </c:pt>
                 <c:pt idx="2">
-                  <c:v>Iteration 3</c:v>
+                  <c:v>Iteration3 </c:v>
                 </c:pt>
               </c:strCache>
             </c:strRef>
           </c:cat>
           <c:val>
             <c:numRef>
-              <c:f>Sheet1!$E$143:$E$145</c:f>
+              <c:f>Sheet1!$C$193:$E$193</c:f>
               <c:numCache>
                 <c:formatCode>General</c:formatCode>
                 <c:ptCount val="3"/>
                 <c:pt idx="0">
-                  <c:v>1</c:v>
+                  <c:v>17</c:v>
                 </c:pt>
                 <c:pt idx="1">
-                  <c:v>1</c:v>
+                  <c:v>13</c:v>
                 </c:pt>
                 <c:pt idx="2">
-                  <c:v>0</c:v>
+                  <c:v>11</c:v>
                 </c:pt>
               </c:numCache>
             </c:numRef>
@@ -1297,12 +1435,12 @@
         <c:gapWidth val="55"/>
         <c:gapDepth val="55"/>
         <c:shape val="box"/>
-        <c:axId val="153819776"/>
-        <c:axId val="154227840"/>
+        <c:axId val="39852288"/>
+        <c:axId val="39862272"/>
         <c:axId val="0"/>
       </c:bar3DChart>
       <c:catAx>
-        <c:axId val="153819776"/>
+        <c:axId val="39852288"/>
         <c:scaling>
           <c:orientation val="minMax"/>
         </c:scaling>
@@ -1319,14 +1457,14 @@
             <a:endParaRPr lang="en-US"/>
           </a:p>
         </c:txPr>
-        <c:crossAx val="154227840"/>
+        <c:crossAx val="39862272"/>
         <c:crosses val="autoZero"/>
         <c:auto val="1"/>
         <c:lblAlgn val="ctr"/>
         <c:lblOffset val="100"/>
       </c:catAx>
       <c:valAx>
-        <c:axId val="154227840"/>
+        <c:axId val="39862272"/>
         <c:scaling>
           <c:orientation val="minMax"/>
         </c:scaling>
@@ -1345,7 +1483,7 @@
             <a:endParaRPr lang="en-US"/>
           </a:p>
         </c:txPr>
-        <c:crossAx val="153819776"/>
+        <c:crossAx val="39852288"/>
         <c:crosses val="autoZero"/>
         <c:crossBetween val="between"/>
       </c:valAx>
@@ -1373,7 +1511,7 @@
 <file path=ppt/charts/chart9.xml><?xml version="1.0" encoding="utf-8"?>
 <c:chartSpace xmlns:c="http://schemas.openxmlformats.org/drawingml/2006/chart" xmlns:a="http://schemas.openxmlformats.org/drawingml/2006/main" xmlns:r="http://schemas.openxmlformats.org/officeDocument/2006/relationships">
   <c:date1904 val="1"/>
-  <c:lang val="en-GB"/>
+  <c:lang val="en-ZA"/>
   <c:chart>
     <c:title>
       <c:tx>
@@ -1381,17 +1519,61 @@
           <a:bodyPr/>
           <a:lstStyle/>
           <a:p>
-            <a:pPr>
-              <a:defRPr lang="en-GB"/>
+            <a:pPr marL="0" marR="0" indent="0" algn="ctr" defTabSz="914400" rtl="0" eaLnBrk="1" fontAlgn="auto" latinLnBrk="0" hangingPunct="1">
+              <a:lnSpc>
+                <a:spcPct val="100000"/>
+              </a:lnSpc>
+              <a:spcBef>
+                <a:spcPts val="0"/>
+              </a:spcBef>
+              <a:spcAft>
+                <a:spcPts val="0"/>
+              </a:spcAft>
+              <a:buClrTx/>
+              <a:buSzTx/>
+              <a:buFontTx/>
+              <a:buNone/>
+              <a:tabLst/>
+              <a:defRPr lang="en-GB" sz="1800" b="1" i="0" u="none" strike="noStrike" kern="1200" baseline="0">
+                <a:solidFill>
+                  <a:sysClr val="windowText" lastClr="000000"/>
+                </a:solidFill>
+                <a:latin typeface="+mn-lt"/>
+                <a:ea typeface="+mn-ea"/>
+                <a:cs typeface="+mn-cs"/>
+              </a:defRPr>
             </a:pPr>
             <a:r>
-              <a:rPr lang="en-GB" sz="1400" b="1" i="0" baseline="0" dirty="0" smtClean="0"/>
-              <a:t>Average </a:t>
-            </a:r>
-            <a:r>
               <a:rPr lang="en-GB" sz="1400" b="1" i="0" baseline="0" dirty="0"/>
-              <a:t>errors per person in age group</a:t>
-            </a:r>
+              <a:t>Average errors between male and female users</a:t>
+            </a:r>
+          </a:p>
+          <a:p>
+            <a:pPr marL="0" marR="0" indent="0" algn="ctr" defTabSz="914400" rtl="0" eaLnBrk="1" fontAlgn="auto" latinLnBrk="0" hangingPunct="1">
+              <a:lnSpc>
+                <a:spcPct val="100000"/>
+              </a:lnSpc>
+              <a:spcBef>
+                <a:spcPts val="0"/>
+              </a:spcBef>
+              <a:spcAft>
+                <a:spcPts val="0"/>
+              </a:spcAft>
+              <a:buClrTx/>
+              <a:buSzTx/>
+              <a:buFontTx/>
+              <a:buNone/>
+              <a:tabLst/>
+              <a:defRPr lang="en-GB" sz="1800" b="1" i="0" u="none" strike="noStrike" kern="1200" baseline="0">
+                <a:solidFill>
+                  <a:sysClr val="windowText" lastClr="000000"/>
+                </a:solidFill>
+                <a:latin typeface="+mn-lt"/>
+                <a:ea typeface="+mn-ea"/>
+                <a:cs typeface="+mn-cs"/>
+              </a:defRPr>
+            </a:pPr>
+            <a:endParaRPr lang="en-GB" dirty="0"/>
           </a:p>
         </c:rich>
       </c:tx>
@@ -1401,17 +1583,7 @@
       <c:rAngAx val="1"/>
     </c:view3D>
     <c:plotArea>
-      <c:layout>
-        <c:manualLayout>
-          <c:layoutTarget val="inner"/>
-          <c:xMode val="edge"/>
-          <c:yMode val="edge"/>
-          <c:x val="0.28345765434775433"/>
-          <c:y val="0.37759566678369044"/>
-          <c:w val="0.65291566794737865"/>
-          <c:h val="0.44736696925623176"/>
-        </c:manualLayout>
-      </c:layout>
+      <c:layout/>
       <c:bar3DChart>
         <c:barDir val="col"/>
         <c:grouping val="percentStacked"/>
@@ -1419,47 +1591,22 @@
           <c:idx val="0"/>
           <c:order val="0"/>
           <c:tx>
-            <c:strRef>
-              <c:f>Sheet1!$B$191</c:f>
-              <c:strCache>
-                <c:ptCount val="1"/>
-                <c:pt idx="0">
-                  <c:v>55-65</c:v>
-                </c:pt>
-              </c:strCache>
-            </c:strRef>
+            <c:v>Female</c:v>
           </c:tx>
-          <c:cat>
-            <c:strRef>
-              <c:f>Sheet1!$C$190:$E$190</c:f>
-              <c:strCache>
-                <c:ptCount val="3"/>
-                <c:pt idx="0">
-                  <c:v>Iteration1</c:v>
-                </c:pt>
-                <c:pt idx="1">
-                  <c:v>Iteration2</c:v>
-                </c:pt>
-                <c:pt idx="2">
-                  <c:v>Iteration3 </c:v>
-                </c:pt>
-              </c:strCache>
-            </c:strRef>
-          </c:cat>
           <c:val>
             <c:numRef>
-              <c:f>Sheet1!$C$191:$E$191</c:f>
+              <c:f>Sheet1!$C$227:$C$229</c:f>
               <c:numCache>
                 <c:formatCode>General</c:formatCode>
                 <c:ptCount val="3"/>
                 <c:pt idx="0">
-                  <c:v>5</c:v>
+                  <c:v>13</c:v>
                 </c:pt>
                 <c:pt idx="1">
-                  <c:v>0</c:v>
+                  <c:v>15</c:v>
                 </c:pt>
                 <c:pt idx="2">
-                  <c:v>17</c:v>
+                  <c:v>18</c:v>
                 </c:pt>
               </c:numCache>
             </c:numRef>
@@ -1469,97 +1616,22 @@
           <c:idx val="1"/>
           <c:order val="1"/>
           <c:tx>
-            <c:strRef>
-              <c:f>Sheet1!$B$192</c:f>
-              <c:strCache>
-                <c:ptCount val="1"/>
-                <c:pt idx="0">
-                  <c:v>65-75</c:v>
-                </c:pt>
-              </c:strCache>
-            </c:strRef>
+            <c:v>Male</c:v>
           </c:tx>
-          <c:cat>
-            <c:strRef>
-              <c:f>Sheet1!$C$190:$E$190</c:f>
-              <c:strCache>
-                <c:ptCount val="3"/>
-                <c:pt idx="0">
-                  <c:v>Iteration1</c:v>
-                </c:pt>
-                <c:pt idx="1">
-                  <c:v>Iteration2</c:v>
-                </c:pt>
-                <c:pt idx="2">
-                  <c:v>Iteration3 </c:v>
-                </c:pt>
-              </c:strCache>
-            </c:strRef>
-          </c:cat>
           <c:val>
             <c:numRef>
-              <c:f>Sheet1!$C$192:$E$192</c:f>
+              <c:f>Sheet1!$B$227:$B$229</c:f>
               <c:numCache>
                 <c:formatCode>General</c:formatCode>
                 <c:ptCount val="3"/>
                 <c:pt idx="0">
-                  <c:v>14</c:v>
+                  <c:v>3</c:v>
                 </c:pt>
                 <c:pt idx="1">
-                  <c:v>10</c:v>
+                  <c:v>6</c:v>
                 </c:pt>
                 <c:pt idx="2">
-                  <c:v>19</c:v>
-                </c:pt>
-              </c:numCache>
-            </c:numRef>
-          </c:val>
-        </c:ser>
-        <c:ser>
-          <c:idx val="2"/>
-          <c:order val="2"/>
-          <c:tx>
-            <c:strRef>
-              <c:f>Sheet1!$B$193</c:f>
-              <c:strCache>
-                <c:ptCount val="1"/>
-                <c:pt idx="0">
-                  <c:v>75-85</c:v>
-                </c:pt>
-              </c:strCache>
-            </c:strRef>
-          </c:tx>
-          <c:cat>
-            <c:strRef>
-              <c:f>Sheet1!$C$190:$E$190</c:f>
-              <c:strCache>
-                <c:ptCount val="3"/>
-                <c:pt idx="0">
-                  <c:v>Iteration1</c:v>
-                </c:pt>
-                <c:pt idx="1">
-                  <c:v>Iteration2</c:v>
-                </c:pt>
-                <c:pt idx="2">
-                  <c:v>Iteration3 </c:v>
-                </c:pt>
-              </c:strCache>
-            </c:strRef>
-          </c:cat>
-          <c:val>
-            <c:numRef>
-              <c:f>Sheet1!$C$193:$E$193</c:f>
-              <c:numCache>
-                <c:formatCode>General</c:formatCode>
-                <c:ptCount val="3"/>
-                <c:pt idx="0">
-                  <c:v>17</c:v>
-                </c:pt>
-                <c:pt idx="1">
-                  <c:v>13</c:v>
-                </c:pt>
-                <c:pt idx="2">
-                  <c:v>11</c:v>
+                  <c:v>9</c:v>
                 </c:pt>
               </c:numCache>
             </c:numRef>
@@ -1568,16 +1640,17 @@
         <c:gapWidth val="55"/>
         <c:gapDepth val="55"/>
         <c:shape val="box"/>
-        <c:axId val="154366336"/>
-        <c:axId val="154368256"/>
+        <c:axId val="39887616"/>
+        <c:axId val="39889152"/>
         <c:axId val="0"/>
       </c:bar3DChart>
       <c:catAx>
-        <c:axId val="154366336"/>
+        <c:axId val="39887616"/>
         <c:scaling>
           <c:orientation val="minMax"/>
         </c:scaling>
         <c:axPos val="b"/>
+        <c:numFmt formatCode="General" sourceLinked="1"/>
         <c:majorTickMark val="none"/>
         <c:tickLblPos val="nextTo"/>
         <c:txPr>
@@ -1590,14 +1663,14 @@
             <a:endParaRPr lang="en-US"/>
           </a:p>
         </c:txPr>
-        <c:crossAx val="154368256"/>
+        <c:crossAx val="39889152"/>
         <c:crosses val="autoZero"/>
         <c:auto val="1"/>
         <c:lblAlgn val="ctr"/>
         <c:lblOffset val="100"/>
       </c:catAx>
       <c:valAx>
-        <c:axId val="154368256"/>
+        <c:axId val="39889152"/>
         <c:scaling>
           <c:orientation val="minMax"/>
         </c:scaling>
@@ -1616,7 +1689,7 @@
             <a:endParaRPr lang="en-US"/>
           </a:p>
         </c:txPr>
-        <c:crossAx val="154366336"/>
+        <c:crossAx val="39887616"/>
         <c:crosses val="autoZero"/>
         <c:crossBetween val="between"/>
       </c:valAx>
@@ -1723,6 +1796,7 @@
           <a:p>
             <a:fld id="{DB1E66FC-2998-4EEB-8BB3-1F4A6E48409A}" type="datetimeFigureOut">
               <a:rPr lang="en-US" smtClean="0"/>
+              <a:pPr/>
               <a:t>10/19/2011</a:t>
             </a:fld>
             <a:endParaRPr lang="en-GB"/>
@@ -1884,6 +1958,7 @@
           <a:p>
             <a:fld id="{C93322E5-6DC9-40DC-BA49-8C14A8B1C6E8}" type="slidenum">
               <a:rPr lang="en-GB" smtClean="0"/>
+              <a:pPr/>
               <a:t>‹#›</a:t>
             </a:fld>
             <a:endParaRPr lang="en-GB"/>
@@ -2055,6 +2130,7 @@
           <a:p>
             <a:fld id="{C93322E5-6DC9-40DC-BA49-8C14A8B1C6E8}" type="slidenum">
               <a:rPr lang="en-GB" smtClean="0"/>
+              <a:pPr/>
               <a:t>1</a:t>
             </a:fld>
             <a:endParaRPr lang="en-GB"/>
@@ -5035,7 +5111,7 @@
         <p:spPr>
           <a:xfrm>
             <a:off x="10818502" y="14565920"/>
-            <a:ext cx="8669648" cy="5693866"/>
+            <a:ext cx="8669648" cy="4462760"/>
           </a:xfrm>
           <a:prstGeom prst="rect">
             <a:avLst/>
@@ -5053,71 +5129,56 @@
               <a:rPr lang="en-GB" sz="2000" dirty="0" smtClean="0">
                 <a:latin typeface="Bookman Old Style" pitchFamily="18" charset="0"/>
               </a:rPr>
-              <a:t>A facsimile of a </a:t>
+              <a:t>A facsimile of a news website </a:t>
             </a:r>
             <a:r>
               <a:rPr lang="en-GB" sz="2000" dirty="0" smtClean="0">
                 <a:latin typeface="Bookman Old Style" pitchFamily="18" charset="0"/>
               </a:rPr>
-              <a:t>news </a:t>
+              <a:t>was</a:t>
             </a:r>
             <a:r>
               <a:rPr lang="en-GB" sz="2000" dirty="0" smtClean="0">
                 <a:latin typeface="Bookman Old Style" pitchFamily="18" charset="0"/>
               </a:rPr>
-              <a:t>website is designed. Numerical and link name referencing styles are applied to the website to investigate the performance of these techniques on a complex </a:t>
+              <a:t> </a:t>
             </a:r>
             <a:r>
               <a:rPr lang="en-GB" sz="2000" dirty="0" smtClean="0">
                 <a:latin typeface="Bookman Old Style" pitchFamily="18" charset="0"/>
               </a:rPr>
-              <a:t>web </a:t>
+              <a:t>designed. Numerical and link name referencing styles </a:t>
             </a:r>
             <a:r>
               <a:rPr lang="en-GB" sz="2000" dirty="0" smtClean="0">
                 <a:latin typeface="Bookman Old Style" pitchFamily="18" charset="0"/>
               </a:rPr>
-              <a:t>application. Two versions of the website are created. Numerical referencing is applied to the first version wherein articles are accessed by saying the associated </a:t>
+              <a:t>were </a:t>
             </a:r>
             <a:r>
               <a:rPr lang="en-GB" sz="2000" dirty="0" smtClean="0">
                 <a:latin typeface="Bookman Old Style" pitchFamily="18" charset="0"/>
               </a:rPr>
-              <a:t>article number. Link </a:t>
+              <a:t>applied </a:t>
             </a:r>
             <a:r>
               <a:rPr lang="en-GB" sz="2000" dirty="0" smtClean="0">
                 <a:latin typeface="Bookman Old Style" pitchFamily="18" charset="0"/>
               </a:rPr>
-              <a:t>name referencing </a:t>
+              <a:t>to the website to investigate the performance of these techniques on </a:t>
             </a:r>
             <a:r>
               <a:rPr lang="en-GB" sz="2000" dirty="0" smtClean="0">
                 <a:latin typeface="Bookman Old Style" pitchFamily="18" charset="0"/>
               </a:rPr>
-              <a:t>is </a:t>
+              <a:t>a more </a:t>
             </a:r>
             <a:r>
               <a:rPr lang="en-GB" sz="2000" dirty="0" smtClean="0">
                 <a:latin typeface="Bookman Old Style" pitchFamily="18" charset="0"/>
               </a:rPr>
-              <a:t>applied to the second version wherein articles are accessed by saying the </a:t>
-            </a:r>
-            <a:r>
-              <a:rPr lang="en-GB" sz="2000" dirty="0" smtClean="0">
-                <a:latin typeface="Bookman Old Style" pitchFamily="18" charset="0"/>
-              </a:rPr>
-              <a:t>green highlighted word</a:t>
-            </a:r>
-            <a:r>
-              <a:rPr lang="en-GB" sz="2000" dirty="0" smtClean="0">
-                <a:latin typeface="Bookman Old Style" pitchFamily="18" charset="0"/>
-              </a:rPr>
-              <a:t>. </a:t>
-            </a:r>
-            <a:endParaRPr lang="en-GB" sz="2000" dirty="0" smtClean="0">
-              <a:latin typeface="Bookman Old Style" pitchFamily="18" charset="0"/>
-            </a:endParaRPr>
+              <a:t>complex web application. </a:t>
+            </a:r>
           </a:p>
           <a:p>
             <a:pPr algn="just"/>
@@ -5134,44 +5195,29 @@
               <a:rPr lang="en-GB" sz="2000" dirty="0" smtClean="0">
                 <a:latin typeface="Bookman Old Style" pitchFamily="18" charset="0"/>
               </a:rPr>
-              <a:t> For complex websites </a:t>
+              <a:t> For </a:t>
             </a:r>
             <a:r>
               <a:rPr lang="en-GB" sz="2000" dirty="0" smtClean="0">
                 <a:latin typeface="Bookman Old Style" pitchFamily="18" charset="0"/>
               </a:rPr>
-              <a:t>there is no preference between referencing </a:t>
+              <a:t>a more complex </a:t>
+            </a:r>
+            <a:r>
+              <a:rPr lang="en-GB" sz="2000" dirty="0" smtClean="0">
+                <a:latin typeface="Bookman Old Style" pitchFamily="18" charset="0"/>
+              </a:rPr>
+              <a:t>websites there is no preference </a:t>
+            </a:r>
+            <a:r>
+              <a:rPr lang="en-GB" sz="2000" dirty="0" smtClean="0">
+                <a:latin typeface="Bookman Old Style" pitchFamily="18" charset="0"/>
+              </a:rPr>
+              <a:t>between referencing styles.</a:t>
             </a:r>
             <a:endParaRPr lang="en-GB" sz="2000" dirty="0" smtClean="0">
               <a:latin typeface="Bookman Old Style" pitchFamily="18" charset="0"/>
             </a:endParaRPr>
-          </a:p>
-          <a:p>
-            <a:pPr algn="just"/>
-            <a:r>
-              <a:rPr lang="en-GB" sz="2000" dirty="0" smtClean="0">
-                <a:latin typeface="Bookman Old Style" pitchFamily="18" charset="0"/>
-              </a:rPr>
-              <a:t> </a:t>
-            </a:r>
-            <a:r>
-              <a:rPr lang="en-GB" sz="2000" dirty="0" smtClean="0">
-                <a:latin typeface="Bookman Old Style" pitchFamily="18" charset="0"/>
-              </a:rPr>
-              <a:t> </a:t>
-            </a:r>
-            <a:r>
-              <a:rPr lang="en-GB" sz="2000" dirty="0" smtClean="0">
-                <a:latin typeface="Bookman Old Style" pitchFamily="18" charset="0"/>
-              </a:rPr>
-              <a:t>styles</a:t>
-            </a:r>
-            <a:r>
-              <a:rPr lang="en-GB" sz="2000" dirty="0" smtClean="0">
-                <a:latin typeface="Bookman Old Style" pitchFamily="18" charset="0"/>
-              </a:rPr>
-              <a:t>. </a:t>
-            </a:r>
           </a:p>
           <a:p>
             <a:pPr lvl="0" algn="just">
@@ -5182,53 +5228,17 @@
               <a:rPr lang="en-GB" sz="2000" dirty="0" smtClean="0">
                 <a:latin typeface="Bookman Old Style" pitchFamily="18" charset="0"/>
               </a:rPr>
-              <a:t> 67</a:t>
-            </a:r>
+              <a:t> 67% of users feel it’s unreasonable to expect elderly users to press </a:t>
+            </a:r>
+          </a:p>
+          <a:p>
+            <a:pPr lvl="0" algn="just"/>
             <a:r>
               <a:rPr lang="en-GB" sz="2000" dirty="0" smtClean="0">
                 <a:latin typeface="Bookman Old Style" pitchFamily="18" charset="0"/>
               </a:rPr>
-              <a:t>% of users feel it’s unreasonable to expect elderly users to press </a:t>
-            </a:r>
-            <a:endParaRPr lang="en-GB" sz="2000" dirty="0" smtClean="0">
-              <a:latin typeface="Bookman Old Style" pitchFamily="18" charset="0"/>
-            </a:endParaRPr>
-          </a:p>
-          <a:p>
-            <a:pPr lvl="0" algn="just"/>
-            <a:r>
-              <a:rPr lang="en-GB" sz="2000" dirty="0" smtClean="0">
-                <a:latin typeface="Bookman Old Style" pitchFamily="18" charset="0"/>
-              </a:rPr>
-              <a:t> </a:t>
-            </a:r>
-            <a:r>
-              <a:rPr lang="en-GB" sz="2000" dirty="0" smtClean="0">
-                <a:latin typeface="Bookman Old Style" pitchFamily="18" charset="0"/>
-              </a:rPr>
-              <a:t> </a:t>
-            </a:r>
-            <a:r>
-              <a:rPr lang="en-GB" sz="2000" dirty="0" smtClean="0">
-                <a:latin typeface="Bookman Old Style" pitchFamily="18" charset="0"/>
-              </a:rPr>
-              <a:t>and </a:t>
-            </a:r>
-            <a:r>
-              <a:rPr lang="en-GB" sz="2000" dirty="0" smtClean="0">
-                <a:latin typeface="Bookman Old Style" pitchFamily="18" charset="0"/>
-              </a:rPr>
-              <a:t>hold a button </a:t>
-            </a:r>
-            <a:r>
-              <a:rPr lang="en-GB" sz="2000" dirty="0" smtClean="0">
-                <a:latin typeface="Bookman Old Style" pitchFamily="18" charset="0"/>
-              </a:rPr>
-              <a:t>to speak.</a:t>
-            </a:r>
-            <a:endParaRPr lang="en-GB" sz="2000" dirty="0" smtClean="0">
-              <a:latin typeface="Bookman Old Style" pitchFamily="18" charset="0"/>
-            </a:endParaRPr>
+              <a:t>  and hold a button to speak.</a:t>
+            </a:r>
           </a:p>
           <a:p>
             <a:pPr lvl="0" algn="just">
@@ -5239,17 +5249,20 @@
               <a:rPr lang="en-GB" sz="2000" dirty="0" smtClean="0">
                 <a:latin typeface="Bookman Old Style" pitchFamily="18" charset="0"/>
               </a:rPr>
-              <a:t> 83</a:t>
+              <a:t> 83% of users like the voice </a:t>
             </a:r>
             <a:r>
               <a:rPr lang="en-GB" sz="2000" dirty="0" smtClean="0">
                 <a:latin typeface="Bookman Old Style" pitchFamily="18" charset="0"/>
               </a:rPr>
-              <a:t>% of users like the voice feedback and 67% prefer not to have </a:t>
-            </a:r>
-            <a:endParaRPr lang="en-GB" sz="2000" dirty="0" smtClean="0">
-              <a:latin typeface="Bookman Old Style" pitchFamily="18" charset="0"/>
-            </a:endParaRPr>
+              <a:t>feedback </a:t>
+            </a:r>
+            <a:r>
+              <a:rPr lang="en-GB" sz="2000" dirty="0" smtClean="0">
+                <a:latin typeface="Bookman Old Style" pitchFamily="18" charset="0"/>
+              </a:rPr>
+              <a:t>and 67% prefer not to have </a:t>
+            </a:r>
           </a:p>
           <a:p>
             <a:pPr lvl="0" algn="just"/>
@@ -5257,23 +5270,8 @@
               <a:rPr lang="en-GB" sz="2000" dirty="0" smtClean="0">
                 <a:latin typeface="Bookman Old Style" pitchFamily="18" charset="0"/>
               </a:rPr>
-              <a:t> </a:t>
-            </a:r>
-            <a:r>
-              <a:rPr lang="en-GB" sz="2000" dirty="0" smtClean="0">
-                <a:latin typeface="Bookman Old Style" pitchFamily="18" charset="0"/>
-              </a:rPr>
-              <a:t> </a:t>
-            </a:r>
-            <a:r>
-              <a:rPr lang="en-GB" sz="2000" dirty="0" smtClean="0">
-                <a:latin typeface="Bookman Old Style" pitchFamily="18" charset="0"/>
-              </a:rPr>
-              <a:t>any command confirmation. </a:t>
-            </a:r>
-            <a:endParaRPr lang="en-GB" sz="2000" dirty="0" smtClean="0">
-              <a:latin typeface="Bookman Old Style" pitchFamily="18" charset="0"/>
-            </a:endParaRPr>
+              <a:t>  any command confirmation. </a:t>
+            </a:r>
           </a:p>
           <a:p>
             <a:pPr lvl="0" algn="just">
@@ -5284,47 +5282,17 @@
               <a:rPr lang="en-GB" sz="2000" dirty="0" smtClean="0">
                 <a:latin typeface="Bookman Old Style" pitchFamily="18" charset="0"/>
               </a:rPr>
-              <a:t> 67</a:t>
-            </a:r>
+              <a:t> 67% of the users would prefer an application that does not require </a:t>
+            </a:r>
+          </a:p>
+          <a:p>
+            <a:pPr lvl="0" algn="just"/>
             <a:r>
               <a:rPr lang="en-GB" sz="2000" dirty="0" smtClean="0">
                 <a:latin typeface="Bookman Old Style" pitchFamily="18" charset="0"/>
               </a:rPr>
-              <a:t>% of the users would prefer an application that does not require </a:t>
-            </a:r>
-            <a:endParaRPr lang="en-GB" sz="2000" dirty="0" smtClean="0">
-              <a:latin typeface="Bookman Old Style" pitchFamily="18" charset="0"/>
-            </a:endParaRPr>
-          </a:p>
-          <a:p>
-            <a:pPr lvl="0" algn="just"/>
-            <a:r>
-              <a:rPr lang="en-GB" sz="2000" dirty="0" smtClean="0">
-                <a:latin typeface="Bookman Old Style" pitchFamily="18" charset="0"/>
-              </a:rPr>
-              <a:t> </a:t>
-            </a:r>
-            <a:r>
-              <a:rPr lang="en-GB" sz="2000" dirty="0" smtClean="0">
-                <a:latin typeface="Bookman Old Style" pitchFamily="18" charset="0"/>
-              </a:rPr>
-              <a:t> </a:t>
-            </a:r>
-            <a:r>
-              <a:rPr lang="en-GB" sz="2000" dirty="0" smtClean="0">
-                <a:latin typeface="Bookman Old Style" pitchFamily="18" charset="0"/>
-              </a:rPr>
-              <a:t>internet </a:t>
-            </a:r>
-            <a:r>
-              <a:rPr lang="en-GB" sz="2000" dirty="0" smtClean="0">
-                <a:latin typeface="Bookman Old Style" pitchFamily="18" charset="0"/>
-              </a:rPr>
-              <a:t>access. </a:t>
-            </a:r>
-            <a:endParaRPr lang="en-GB" sz="2000" dirty="0" smtClean="0">
-              <a:latin typeface="Bookman Old Style" pitchFamily="18" charset="0"/>
-            </a:endParaRPr>
+              <a:t>  internet access. </a:t>
+            </a:r>
           </a:p>
           <a:p>
             <a:pPr lvl="0" algn="just">
@@ -5345,8 +5313,8 @@
         </p:nvSpPr>
         <p:spPr>
           <a:xfrm>
-            <a:off x="1447800" y="12763941"/>
-            <a:ext cx="8648700" cy="5016758"/>
+            <a:off x="1422400" y="13652941"/>
+            <a:ext cx="8648700" cy="3785652"/>
           </a:xfrm>
           <a:prstGeom prst="rect">
             <a:avLst/>
@@ -5364,85 +5332,55 @@
               <a:rPr lang="en-GB" sz="2000" dirty="0" smtClean="0">
                 <a:latin typeface="Bookman Old Style" pitchFamily="18" charset="0"/>
               </a:rPr>
-              <a:t>A simple website composed of questions and answers is designed for iteration </a:t>
+              <a:t>A simple website composed of questions and answers </a:t>
             </a:r>
             <a:r>
               <a:rPr lang="en-GB" sz="2000" dirty="0" smtClean="0">
                 <a:latin typeface="Bookman Old Style" pitchFamily="18" charset="0"/>
               </a:rPr>
-              <a:t>one. The </a:t>
+              <a:t>was</a:t>
             </a:r>
             <a:r>
               <a:rPr lang="en-GB" sz="2000" dirty="0" smtClean="0">
                 <a:latin typeface="Bookman Old Style" pitchFamily="18" charset="0"/>
               </a:rPr>
-              <a:t>website is used to investigate the performance of numerical and link name referencing </a:t>
+              <a:t> </a:t>
             </a:r>
             <a:r>
               <a:rPr lang="en-GB" sz="2000" dirty="0" smtClean="0">
                 <a:latin typeface="Bookman Old Style" pitchFamily="18" charset="0"/>
               </a:rPr>
-              <a:t>techniques. </a:t>
+              <a:t>designed for iteration one. The website </a:t>
             </a:r>
             <a:r>
               <a:rPr lang="en-GB" sz="2000" dirty="0" smtClean="0">
                 <a:latin typeface="Bookman Old Style" pitchFamily="18" charset="0"/>
               </a:rPr>
-              <a:t>V</a:t>
+              <a:t>was</a:t>
             </a:r>
             <a:r>
               <a:rPr lang="en-GB" sz="2000" dirty="0" smtClean="0">
                 <a:latin typeface="Bookman Old Style" pitchFamily="18" charset="0"/>
               </a:rPr>
-              <a:t>erbal and visual </a:t>
+              <a:t> </a:t>
             </a:r>
             <a:r>
               <a:rPr lang="en-GB" sz="2000" dirty="0" smtClean="0">
                 <a:latin typeface="Bookman Old Style" pitchFamily="18" charset="0"/>
               </a:rPr>
-              <a:t>feedback</a:t>
+              <a:t>used to investigate the performance of numerical and link name referencing techniques. Verbal and visual feedback sections were </a:t>
             </a:r>
             <a:r>
               <a:rPr lang="en-GB" sz="2000" dirty="0" smtClean="0">
                 <a:latin typeface="Bookman Old Style" pitchFamily="18" charset="0"/>
               </a:rPr>
-              <a:t> sections were included to </a:t>
+              <a:t>also included </a:t>
             </a:r>
             <a:r>
               <a:rPr lang="en-GB" sz="2000" dirty="0" smtClean="0">
                 <a:latin typeface="Bookman Old Style" pitchFamily="18" charset="0"/>
               </a:rPr>
-              <a:t>determine which feedback techniques are preferred by users. Questions in the numerical referencing section are answered by saying the associated </a:t>
-            </a:r>
-            <a:r>
-              <a:rPr lang="en-GB" sz="2000" dirty="0" smtClean="0">
-                <a:latin typeface="Bookman Old Style" pitchFamily="18" charset="0"/>
-              </a:rPr>
-              <a:t>number. Questions </a:t>
-            </a:r>
-            <a:r>
-              <a:rPr lang="en-GB" sz="2000" dirty="0" smtClean="0">
-                <a:latin typeface="Bookman Old Style" pitchFamily="18" charset="0"/>
-              </a:rPr>
-              <a:t>in the link referencing section are answered by saying the </a:t>
-            </a:r>
-            <a:r>
-              <a:rPr lang="en-GB" sz="2000" dirty="0" smtClean="0">
-                <a:latin typeface="Bookman Old Style" pitchFamily="18" charset="0"/>
-              </a:rPr>
-              <a:t>highlighted </a:t>
-            </a:r>
-            <a:r>
-              <a:rPr lang="en-GB" sz="2000" dirty="0" smtClean="0">
-                <a:latin typeface="Bookman Old Style" pitchFamily="18" charset="0"/>
-              </a:rPr>
-              <a:t>word</a:t>
-            </a:r>
-            <a:r>
-              <a:rPr lang="en-GB" sz="2000" dirty="0" smtClean="0">
-                <a:latin typeface="Bookman Old Style" pitchFamily="18" charset="0"/>
-              </a:rPr>
-              <a:t>.  </a:t>
+              <a:t>to determine which feedback techniques are preferred by users. </a:t>
             </a:r>
           </a:p>
           <a:p>
@@ -5460,41 +5398,26 @@
               <a:rPr lang="en-GB" sz="2000" dirty="0" smtClean="0">
                 <a:latin typeface="Bookman Old Style" pitchFamily="18" charset="0"/>
               </a:rPr>
-              <a:t> 57</a:t>
-            </a:r>
+              <a:t> 57% of users preferred numerical referencing and found it easier </a:t>
+            </a:r>
+          </a:p>
+          <a:p>
+            <a:pPr algn="just"/>
             <a:r>
               <a:rPr lang="en-GB" sz="2000" dirty="0" smtClean="0">
                 <a:latin typeface="Bookman Old Style" pitchFamily="18" charset="0"/>
               </a:rPr>
-              <a:t>% of users preferred numerical referencing and found </a:t>
+              <a:t>  to </a:t>
             </a:r>
             <a:r>
               <a:rPr lang="en-GB" sz="2000" dirty="0" smtClean="0">
                 <a:latin typeface="Bookman Old Style" pitchFamily="18" charset="0"/>
               </a:rPr>
-              <a:t>it easier </a:t>
-            </a:r>
-          </a:p>
-          <a:p>
-            <a:pPr algn="just"/>
-            <a:r>
-              <a:rPr lang="en-GB" sz="2000" dirty="0" smtClean="0">
-                <a:latin typeface="Bookman Old Style" pitchFamily="18" charset="0"/>
-              </a:rPr>
-              <a:t> </a:t>
-            </a:r>
-            <a:r>
-              <a:rPr lang="en-GB" sz="2000" dirty="0" smtClean="0">
-                <a:latin typeface="Bookman Old Style" pitchFamily="18" charset="0"/>
-              </a:rPr>
-              <a:t> </a:t>
-            </a:r>
-            <a:r>
-              <a:rPr lang="en-GB" sz="2000" dirty="0" smtClean="0">
-                <a:latin typeface="Bookman Old Style" pitchFamily="18" charset="0"/>
-              </a:rPr>
-              <a:t>to use. </a:t>
-            </a:r>
+              <a:t>use (Figure 1). </a:t>
+            </a:r>
+            <a:endParaRPr lang="en-GB" sz="2000" dirty="0" smtClean="0">
+              <a:latin typeface="Bookman Old Style" pitchFamily="18" charset="0"/>
+            </a:endParaRPr>
           </a:p>
           <a:p>
             <a:pPr lvl="0" algn="just">
@@ -5505,13 +5428,13 @@
               <a:rPr lang="en-GB" sz="2000" dirty="0" smtClean="0">
                 <a:latin typeface="Bookman Old Style" pitchFamily="18" charset="0"/>
               </a:rPr>
-              <a:t> </a:t>
+              <a:t> However </a:t>
             </a:r>
             <a:r>
               <a:rPr lang="en-GB" sz="2000" dirty="0" smtClean="0">
                 <a:latin typeface="Bookman Old Style" pitchFamily="18" charset="0"/>
               </a:rPr>
-              <a:t>However figure </a:t>
+              <a:t>the results in Figure </a:t>
             </a:r>
             <a:r>
               <a:rPr lang="en-GB" sz="2000" dirty="0" smtClean="0">
@@ -5523,40 +5446,19 @@
               <a:rPr lang="en-GB" sz="2000" dirty="0" smtClean="0">
                 <a:latin typeface="Bookman Old Style" pitchFamily="18" charset="0"/>
               </a:rPr>
-              <a:t>indicated that </a:t>
+              <a:t>indicate </a:t>
             </a:r>
             <a:r>
               <a:rPr lang="en-GB" sz="2000" dirty="0" smtClean="0">
                 <a:latin typeface="Bookman Old Style" pitchFamily="18" charset="0"/>
               </a:rPr>
-              <a:t>link name referencing </a:t>
+              <a:t>that link name </a:t>
             </a:r>
             <a:r>
               <a:rPr lang="en-GB" sz="2000" dirty="0" smtClean="0">
                 <a:latin typeface="Bookman Old Style" pitchFamily="18" charset="0"/>
               </a:rPr>
-              <a:t>actually </a:t>
-            </a:r>
-          </a:p>
-          <a:p>
-            <a:pPr lvl="0" algn="just"/>
-            <a:r>
-              <a:rPr lang="en-GB" sz="2000" dirty="0" smtClean="0">
-                <a:latin typeface="Bookman Old Style" pitchFamily="18" charset="0"/>
-              </a:rPr>
-              <a:t> </a:t>
-            </a:r>
-            <a:r>
-              <a:rPr lang="en-GB" sz="2000" dirty="0" smtClean="0">
-                <a:latin typeface="Bookman Old Style" pitchFamily="18" charset="0"/>
-              </a:rPr>
-              <a:t> </a:t>
-            </a:r>
-            <a:r>
-              <a:rPr lang="en-GB" sz="2000" dirty="0" smtClean="0">
-                <a:latin typeface="Bookman Old Style" pitchFamily="18" charset="0"/>
-              </a:rPr>
-              <a:t>performed better.</a:t>
+              <a:t>referencing experienced a perceived better performance. </a:t>
             </a:r>
             <a:endParaRPr lang="en-GB" sz="2000" dirty="0" smtClean="0">
               <a:latin typeface="Bookman Old Style" pitchFamily="18" charset="0"/>
@@ -5577,13 +5479,19 @@
               <a:rPr lang="en-GB" sz="2000" dirty="0" smtClean="0">
                 <a:latin typeface="Bookman Old Style" pitchFamily="18" charset="0"/>
               </a:rPr>
-              <a:t>4 indicates that users prefer link highlighting as </a:t>
+              <a:t>3</a:t>
             </a:r>
             <a:r>
               <a:rPr lang="en-GB" sz="2000" dirty="0" smtClean="0">
                 <a:latin typeface="Bookman Old Style" pitchFamily="18" charset="0"/>
               </a:rPr>
-              <a:t>a visual</a:t>
+              <a:t> </a:t>
+            </a:r>
+            <a:r>
+              <a:rPr lang="en-GB" sz="2000" dirty="0" smtClean="0">
+                <a:latin typeface="Bookman Old Style" pitchFamily="18" charset="0"/>
+              </a:rPr>
+              <a:t>indicates that users prefer link highlighting as a visual</a:t>
             </a:r>
           </a:p>
           <a:p>
@@ -5592,38 +5500,23 @@
               <a:rPr lang="en-GB" sz="2000" dirty="0" smtClean="0">
                 <a:latin typeface="Bookman Old Style" pitchFamily="18" charset="0"/>
               </a:rPr>
-              <a:t>  feedback </a:t>
+              <a:t>  feedback method</a:t>
             </a:r>
             <a:r>
               <a:rPr lang="en-GB" sz="2000" dirty="0" smtClean="0">
                 <a:latin typeface="Bookman Old Style" pitchFamily="18" charset="0"/>
               </a:rPr>
-              <a:t>method.</a:t>
-            </a:r>
-          </a:p>
-          <a:p>
-            <a:pPr lvl="0" algn="just">
-              <a:buFont typeface="Arial" pitchFamily="34" charset="0"/>
-              <a:buChar char="•"/>
-            </a:pPr>
-            <a:r>
-              <a:rPr lang="en-GB" sz="2000" dirty="0" smtClean="0">
-                <a:latin typeface="Bookman Old Style" pitchFamily="18" charset="0"/>
-              </a:rPr>
-              <a:t> 48 </a:t>
-            </a:r>
-            <a:r>
-              <a:rPr lang="en-GB" sz="2000" dirty="0" smtClean="0">
-                <a:latin typeface="Bookman Old Style" pitchFamily="18" charset="0"/>
-              </a:rPr>
-              <a:t>application errors were </a:t>
-            </a:r>
-            <a:r>
-              <a:rPr lang="en-GB" sz="2000" dirty="0" smtClean="0">
-                <a:latin typeface="Bookman Old Style" pitchFamily="18" charset="0"/>
-              </a:rPr>
-              <a:t>recorded. </a:t>
-            </a:r>
+              <a:t>.</a:t>
+            </a:r>
+            <a:r>
+              <a:rPr lang="en-GB" sz="2000" b="1" dirty="0" smtClean="0">
+                <a:latin typeface="Bookman Old Style" pitchFamily="18" charset="0"/>
+              </a:rPr>
+              <a:t> </a:t>
+            </a:r>
+            <a:endParaRPr lang="en-GB" sz="2000" b="1" dirty="0" smtClean="0">
+              <a:latin typeface="Bookman Old Style" pitchFamily="18" charset="0"/>
+            </a:endParaRPr>
           </a:p>
         </p:txBody>
       </p:sp>
@@ -5664,23 +5557,7 @@
                 <a:ea typeface="Verdana" pitchFamily="34" charset="0"/>
                 <a:cs typeface="Verdana" pitchFamily="34" charset="0"/>
               </a:rPr>
-              <a:t>An investigation into </a:t>
-            </a:r>
-            <a:r>
-              <a:rPr lang="en-ZA" sz="8000" b="1" dirty="0" smtClean="0">
-                <a:latin typeface="Verdana" pitchFamily="34" charset="0"/>
-                <a:ea typeface="Verdana" pitchFamily="34" charset="0"/>
-                <a:cs typeface="Verdana" pitchFamily="34" charset="0"/>
-              </a:rPr>
-              <a:t>voice-controlled web browsing </a:t>
-            </a:r>
-            <a:r>
-              <a:rPr lang="en-ZA" sz="8000" b="1" dirty="0" smtClean="0">
-                <a:latin typeface="Verdana" pitchFamily="34" charset="0"/>
-                <a:ea typeface="Verdana" pitchFamily="34" charset="0"/>
-                <a:cs typeface="Verdana" pitchFamily="34" charset="0"/>
-              </a:rPr>
-              <a:t>for the elderly</a:t>
+              <a:t>An investigation into voice-controlled web browsing for the elderly</a:t>
             </a:r>
             <a:endParaRPr lang="en-GB" sz="8000" b="1" dirty="0">
               <a:latin typeface="Verdana" pitchFamily="34" charset="0"/>
@@ -6053,8 +5930,8 @@
         </p:nvSpPr>
         <p:spPr>
           <a:xfrm>
-            <a:off x="20173976" y="16384928"/>
-            <a:ext cx="8636000" cy="1433507"/>
+            <a:off x="20256500" y="16776701"/>
+            <a:ext cx="8470900" cy="1016000"/>
           </a:xfrm>
           <a:prstGeom prst="rect">
             <a:avLst/>
@@ -6096,7 +5973,7 @@
         </p:nvSpPr>
         <p:spPr>
           <a:xfrm>
-            <a:off x="20521627" y="16745291"/>
+            <a:off x="20445427" y="16897691"/>
             <a:ext cx="7927986" cy="769441"/>
           </a:xfrm>
           <a:prstGeom prst="rect">
@@ -6162,37 +6039,25 @@
               <a:rPr lang="en-GB" sz="2000" dirty="0" smtClean="0">
                 <a:latin typeface="Bookman Old Style" pitchFamily="18" charset="0"/>
               </a:rPr>
-              <a:t>Upon </a:t>
+              <a:t>The large error rate seen for the numerical referencing (see Analysis) lead to the bel</a:t>
             </a:r>
             <a:r>
               <a:rPr lang="en-GB" sz="2000" dirty="0" smtClean="0">
                 <a:latin typeface="Bookman Old Style" pitchFamily="18" charset="0"/>
               </a:rPr>
-              <a:t>testing iteration one it was determined that a large number of errors occurred in the first referencing section. To remain unbiased to a particular referencing </a:t>
+              <a:t>ief that the error rate could largely be contributed to the </a:t>
             </a:r>
             <a:r>
               <a:rPr lang="en-GB" sz="2000" dirty="0" smtClean="0">
                 <a:latin typeface="Bookman Old Style" pitchFamily="18" charset="0"/>
               </a:rPr>
-              <a:t>style the website </a:t>
+              <a:t>user accustomization </a:t>
             </a:r>
             <a:r>
               <a:rPr lang="en-GB" sz="2000" dirty="0" smtClean="0">
                 <a:latin typeface="Bookman Old Style" pitchFamily="18" charset="0"/>
               </a:rPr>
-              <a:t>was edited and retested. </a:t>
-            </a:r>
-            <a:r>
-              <a:rPr lang="en-GB" sz="2000" dirty="0" smtClean="0">
-                <a:latin typeface="Bookman Old Style" pitchFamily="18" charset="0"/>
-              </a:rPr>
-              <a:t>The feedback sections were removed and tutoria</a:t>
-            </a:r>
-            <a:r>
-              <a:rPr lang="en-GB" sz="2000" dirty="0" smtClean="0">
-                <a:latin typeface="Bookman Old Style" pitchFamily="18" charset="0"/>
-              </a:rPr>
-              <a:t>l questions were added to help the user.</a:t>
+              <a:t>period with the test (numerical referencing was tested first). The test was thus restructured to eliminate feedback techniques and provide a warm- up period for both numerical and spoken link name testing. </a:t>
             </a:r>
             <a:endParaRPr lang="en-GB" sz="2000" dirty="0" smtClean="0">
               <a:latin typeface="Bookman Old Style" pitchFamily="18" charset="0"/>
@@ -6213,68 +6078,20 @@
               <a:rPr lang="en-GB" sz="2000" dirty="0" smtClean="0">
                 <a:latin typeface="Bookman Old Style" pitchFamily="18" charset="0"/>
               </a:rPr>
-              <a:t> The </a:t>
-            </a:r>
-            <a:r>
-              <a:rPr lang="en-GB" sz="2000" dirty="0" smtClean="0">
-                <a:latin typeface="Bookman Old Style" pitchFamily="18" charset="0"/>
-              </a:rPr>
-              <a:t>ease of use and preference between referencing styles was </a:t>
-            </a:r>
-            <a:r>
-              <a:rPr lang="en-GB" sz="2000" dirty="0" smtClean="0">
-                <a:latin typeface="Bookman Old Style" pitchFamily="18" charset="0"/>
-              </a:rPr>
-              <a:t>  </a:t>
-            </a:r>
-          </a:p>
-          <a:p>
-            <a:pPr algn="just"/>
-            <a:r>
-              <a:rPr lang="en-GB" sz="2000" dirty="0" smtClean="0">
-                <a:latin typeface="Bookman Old Style" pitchFamily="18" charset="0"/>
-              </a:rPr>
-              <a:t> </a:t>
-            </a:r>
-            <a:r>
-              <a:rPr lang="en-GB" sz="2000" dirty="0" smtClean="0">
-                <a:latin typeface="Bookman Old Style" pitchFamily="18" charset="0"/>
-              </a:rPr>
-              <a:t> </a:t>
-            </a:r>
-            <a:r>
-              <a:rPr lang="en-GB" sz="2000" dirty="0" smtClean="0">
-                <a:latin typeface="Bookman Old Style" pitchFamily="18" charset="0"/>
-              </a:rPr>
-              <a:t>equally divided even though 67% of commands performed best in </a:t>
-            </a:r>
-          </a:p>
-          <a:p>
-            <a:pPr algn="just"/>
-            <a:r>
-              <a:rPr lang="en-GB" sz="2000" dirty="0" smtClean="0">
-                <a:latin typeface="Bookman Old Style" pitchFamily="18" charset="0"/>
-              </a:rPr>
-              <a:t> </a:t>
-            </a:r>
-            <a:r>
-              <a:rPr lang="en-GB" sz="2000" dirty="0" smtClean="0">
-                <a:latin typeface="Bookman Old Style" pitchFamily="18" charset="0"/>
-              </a:rPr>
-              <a:t> </a:t>
-            </a:r>
-            <a:r>
-              <a:rPr lang="en-GB" sz="2000" dirty="0" smtClean="0">
-                <a:latin typeface="Bookman Old Style" pitchFamily="18" charset="0"/>
-              </a:rPr>
-              <a:t>the link name referencing section as shown in figure 6. </a:t>
+              <a:t>As can be seen from Figure 5 and 6, neither were perceived to be easier to use and referencing by spoken link names was perceived to give better performance. </a:t>
             </a:r>
             <a:endParaRPr lang="en-GB" sz="2000" dirty="0" smtClean="0">
               <a:latin typeface="Bookman Old Style" pitchFamily="18" charset="0"/>
             </a:endParaRPr>
           </a:p>
           <a:p>
-            <a:pPr lvl="0" algn="just">
+            <a:pPr algn="just"/>
+            <a:endParaRPr lang="en-GB" sz="2000" dirty="0" smtClean="0">
+              <a:latin typeface="Bookman Old Style" pitchFamily="18" charset="0"/>
+            </a:endParaRPr>
+          </a:p>
+          <a:p>
+            <a:pPr algn="just">
               <a:buFont typeface="Arial" pitchFamily="34" charset="0"/>
               <a:buChar char="•"/>
             </a:pPr>
@@ -6282,86 +6099,35 @@
               <a:rPr lang="en-GB" sz="2000" dirty="0" smtClean="0">
                 <a:latin typeface="Bookman Old Style" pitchFamily="18" charset="0"/>
               </a:rPr>
-              <a:t> The </a:t>
+              <a:t>100</a:t>
             </a:r>
             <a:r>
               <a:rPr lang="en-GB" sz="2000" dirty="0" smtClean="0">
                 <a:latin typeface="Bookman Old Style" pitchFamily="18" charset="0"/>
               </a:rPr>
-              <a:t>number of application errors was reduced to </a:t>
+              <a:t>% of users </a:t>
             </a:r>
             <a:r>
               <a:rPr lang="en-GB" sz="2000" dirty="0" smtClean="0">
                 <a:latin typeface="Bookman Old Style" pitchFamily="18" charset="0"/>
               </a:rPr>
-              <a:t>32. </a:t>
+              <a:t>preferred </a:t>
+            </a:r>
+            <a:r>
+              <a:rPr lang="en-GB" sz="2000" dirty="0" smtClean="0">
+                <a:latin typeface="Bookman Old Style" pitchFamily="18" charset="0"/>
+              </a:rPr>
+              <a:t>saying a particular </a:t>
+            </a:r>
+            <a:r>
+              <a:rPr lang="en-GB" sz="2000" dirty="0" smtClean="0">
+                <a:latin typeface="Bookman Old Style" pitchFamily="18" charset="0"/>
+              </a:rPr>
+              <a:t>word rather than a part of a link sentence or a whole link name.</a:t>
             </a:r>
             <a:endParaRPr lang="en-GB" sz="2000" dirty="0" smtClean="0">
               <a:latin typeface="Bookman Old Style" pitchFamily="18" charset="0"/>
             </a:endParaRPr>
-          </a:p>
-          <a:p>
-            <a:pPr lvl="0" algn="just">
-              <a:buFont typeface="Arial" pitchFamily="34" charset="0"/>
-              <a:buChar char="•"/>
-            </a:pPr>
-            <a:r>
-              <a:rPr lang="en-GB" sz="2000" dirty="0" smtClean="0">
-                <a:latin typeface="Bookman Old Style" pitchFamily="18" charset="0"/>
-              </a:rPr>
-              <a:t> Link </a:t>
-            </a:r>
-            <a:r>
-              <a:rPr lang="en-GB" sz="2000" dirty="0" smtClean="0">
-                <a:latin typeface="Bookman Old Style" pitchFamily="18" charset="0"/>
-              </a:rPr>
-              <a:t>name referencing was preferred for complex websites. </a:t>
-            </a:r>
-          </a:p>
-          <a:p>
-            <a:pPr lvl="0" algn="just">
-              <a:buFont typeface="Arial" pitchFamily="34" charset="0"/>
-              <a:buChar char="•"/>
-            </a:pPr>
-            <a:r>
-              <a:rPr lang="en-GB" sz="2000" dirty="0" smtClean="0">
-                <a:latin typeface="Bookman Old Style" pitchFamily="18" charset="0"/>
-              </a:rPr>
-              <a:t> 100</a:t>
-            </a:r>
-            <a:r>
-              <a:rPr lang="en-GB" sz="2000" dirty="0" smtClean="0">
-                <a:latin typeface="Bookman Old Style" pitchFamily="18" charset="0"/>
-              </a:rPr>
-              <a:t>% of users prefer saying a particular </a:t>
-            </a:r>
-            <a:r>
-              <a:rPr lang="en-GB" sz="2000" dirty="0" smtClean="0">
-                <a:latin typeface="Bookman Old Style" pitchFamily="18" charset="0"/>
-              </a:rPr>
-              <a:t>word than part </a:t>
-            </a:r>
-            <a:r>
-              <a:rPr lang="en-GB" sz="2000" dirty="0" smtClean="0">
-                <a:latin typeface="Bookman Old Style" pitchFamily="18" charset="0"/>
-              </a:rPr>
-              <a:t>of </a:t>
-            </a:r>
-            <a:r>
-              <a:rPr lang="en-GB" sz="2000" dirty="0" smtClean="0">
-                <a:latin typeface="Bookman Old Style" pitchFamily="18" charset="0"/>
-              </a:rPr>
-              <a:t>or a </a:t>
-            </a:r>
-          </a:p>
-          <a:p>
-            <a:pPr lvl="0" algn="just"/>
-            <a:r>
-              <a:rPr lang="en-GB" sz="2000" dirty="0" smtClean="0">
-                <a:latin typeface="Bookman Old Style" pitchFamily="18" charset="0"/>
-              </a:rPr>
-              <a:t>  complete sentence.</a:t>
-            </a:r>
           </a:p>
         </p:txBody>
       </p:sp>
@@ -6463,8 +6229,8 @@
         </p:nvSpPr>
         <p:spPr>
           <a:xfrm>
-            <a:off x="1495426" y="11599544"/>
-            <a:ext cx="8505824" cy="1133475"/>
+            <a:off x="1495426" y="12767945"/>
+            <a:ext cx="8505824" cy="935355"/>
           </a:xfrm>
           <a:prstGeom prst="rect">
             <a:avLst/>
@@ -6506,7 +6272,7 @@
         </p:nvSpPr>
         <p:spPr>
           <a:xfrm>
-            <a:off x="1835139" y="11782091"/>
+            <a:off x="1835139" y="12861591"/>
             <a:ext cx="7927986" cy="769441"/>
           </a:xfrm>
           <a:prstGeom prst="rect">
@@ -6822,7 +6588,7 @@
           <p:nvPr/>
         </p:nvGraphicFramePr>
         <p:xfrm>
-          <a:off x="10721384" y="9672682"/>
+          <a:off x="11521484" y="9647282"/>
           <a:ext cx="3319464" cy="2432050"/>
         </p:xfrm>
         <a:graphic>
@@ -6839,8 +6605,8 @@
         </p:nvSpPr>
         <p:spPr>
           <a:xfrm>
-            <a:off x="11140169" y="12036697"/>
-            <a:ext cx="2256516" cy="1908215"/>
+            <a:off x="11483068" y="11985897"/>
+            <a:ext cx="3502932" cy="1538883"/>
           </a:xfrm>
           <a:prstGeom prst="rect">
             <a:avLst/>
@@ -6854,20 +6620,11 @@
           <a:lstStyle/>
           <a:p>
             <a:r>
-              <a:rPr lang="en-GB" sz="2000" dirty="0" smtClean="0">
-                <a:latin typeface="Bookman Old Style" pitchFamily="18" charset="0"/>
-              </a:rPr>
-              <a:t>Figure 5: Ease of use between </a:t>
-            </a:r>
-            <a:r>
-              <a:rPr lang="en-GB" sz="2000" dirty="0" smtClean="0">
-                <a:latin typeface="Bookman Old Style" pitchFamily="18" charset="0"/>
-              </a:rPr>
-              <a:t>techniques  </a:t>
-            </a:r>
-            <a:endParaRPr lang="en-GB" sz="2000" dirty="0" smtClean="0">
-              <a:latin typeface="Bookman Old Style" pitchFamily="18" charset="0"/>
-            </a:endParaRPr>
+              <a:rPr lang="en-GB" sz="1800" dirty="0" smtClean="0">
+                <a:latin typeface="Bookman Old Style" pitchFamily="18" charset="0"/>
+              </a:rPr>
+              <a:t>Figure 5: Ease of use between techniques  </a:t>
+            </a:r>
           </a:p>
           <a:p>
             <a:endParaRPr lang="en-GB" dirty="0"/>
@@ -6881,7 +6638,7 @@
           <p:nvPr/>
         </p:nvGraphicFramePr>
         <p:xfrm>
-          <a:off x="13381944" y="9691459"/>
+          <a:off x="15566344" y="9742259"/>
           <a:ext cx="3397296" cy="2424341"/>
         </p:xfrm>
         <a:graphic>
@@ -6897,8 +6654,8 @@
           <p:nvPr/>
         </p:nvGraphicFramePr>
         <p:xfrm>
-          <a:off x="16082054" y="9649730"/>
-          <a:ext cx="3548063" cy="2422525"/>
+          <a:off x="15328900" y="10589530"/>
+          <a:ext cx="3729717" cy="2453370"/>
         </p:xfrm>
         <a:graphic>
           <a:graphicData uri="http://schemas.openxmlformats.org/drawingml/2006/chart">
@@ -6914,8 +6671,8 @@
         </p:nvSpPr>
         <p:spPr>
           <a:xfrm>
-            <a:off x="13643884" y="12036244"/>
-            <a:ext cx="3294288" cy="707886"/>
+            <a:off x="15113000" y="12036245"/>
+            <a:ext cx="4406900" cy="646331"/>
           </a:xfrm>
           <a:prstGeom prst="rect">
             <a:avLst/>
@@ -6929,45 +6686,14 @@
           <a:lstStyle/>
           <a:p>
             <a:r>
-              <a:rPr lang="en-GB" sz="2000" dirty="0" smtClean="0">
-                <a:latin typeface="Bookman Old Style" pitchFamily="18" charset="0"/>
-              </a:rPr>
-              <a:t>Figure 6: Performance between techniques</a:t>
-            </a:r>
-            <a:endParaRPr lang="en-GB" sz="2000" dirty="0">
+              <a:rPr lang="en-GB" sz="1800" dirty="0" smtClean="0">
+                <a:latin typeface="Bookman Old Style" pitchFamily="18" charset="0"/>
+              </a:rPr>
+              <a:t>Figure 6: Perceived Performance between techniques</a:t>
+            </a:r>
+            <a:endParaRPr lang="en-GB" sz="1800" dirty="0">
               <a:latin typeface="Bookman Old Style" pitchFamily="18" charset="0"/>
             </a:endParaRPr>
-          </a:p>
-        </p:txBody>
-      </p:sp>
-      <p:sp>
-        <p:nvSpPr>
-          <p:cNvPr id="59" name="TextBox 58"/>
-          <p:cNvSpPr txBox="1"/>
-          <p:nvPr/>
-        </p:nvSpPr>
-        <p:spPr>
-          <a:xfrm>
-            <a:off x="16938172" y="12021729"/>
-            <a:ext cx="2191658" cy="707886"/>
-          </a:xfrm>
-          <a:prstGeom prst="rect">
-            <a:avLst/>
-          </a:prstGeom>
-          <a:noFill/>
-        </p:spPr>
-        <p:txBody>
-          <a:bodyPr wrap="square" rtlCol="0">
-            <a:spAutoFit/>
-          </a:bodyPr>
-          <a:lstStyle/>
-          <a:p>
-            <a:r>
-              <a:rPr lang="en-GB" sz="2000" dirty="0" smtClean="0">
-                <a:latin typeface="Bookman Old Style" pitchFamily="18" charset="0"/>
-              </a:rPr>
-              <a:t>Figure 7: Users preference </a:t>
-            </a:r>
           </a:p>
         </p:txBody>
       </p:sp>
@@ -7003,22 +6729,6 @@
           </a:graphicData>
         </a:graphic>
       </p:graphicFrame>
-      <p:graphicFrame>
-        <p:nvGraphicFramePr>
-          <p:cNvPr id="62" name="Chart 61"/>
-          <p:cNvGraphicFramePr/>
-          <p:nvPr/>
-        </p:nvGraphicFramePr>
-        <p:xfrm>
-          <a:off x="6572250" y="17558648"/>
-          <a:ext cx="3552825" cy="2316162"/>
-        </p:xfrm>
-        <a:graphic>
-          <a:graphicData uri="http://schemas.openxmlformats.org/drawingml/2006/chart">
-            <c:chart xmlns:c="http://schemas.openxmlformats.org/drawingml/2006/chart" xmlns:r="http://schemas.openxmlformats.org/officeDocument/2006/relationships" r:id="rId9"/>
-          </a:graphicData>
-        </a:graphic>
-      </p:graphicFrame>
       <p:sp>
         <p:nvSpPr>
           <p:cNvPr id="63" name="TextBox 62"/>
@@ -7028,7 +6738,7 @@
         <p:spPr>
           <a:xfrm>
             <a:off x="1790700" y="19610604"/>
-            <a:ext cx="2419350" cy="707886"/>
+            <a:ext cx="2419350" cy="646331"/>
           </a:xfrm>
           <a:prstGeom prst="rect">
             <a:avLst/>
@@ -7042,20 +6752,11 @@
           <a:lstStyle/>
           <a:p>
             <a:r>
-              <a:rPr lang="en-GB" sz="2000" dirty="0" smtClean="0">
-                <a:latin typeface="Bookman Old Style" pitchFamily="18" charset="0"/>
-              </a:rPr>
-              <a:t>Figure 1: Ease of </a:t>
-            </a:r>
-            <a:r>
-              <a:rPr lang="en-GB" sz="2000" dirty="0" smtClean="0">
-                <a:latin typeface="Bookman Old Style" pitchFamily="18" charset="0"/>
-              </a:rPr>
-              <a:t>use</a:t>
-            </a:r>
-            <a:endParaRPr lang="en-GB" sz="2000" dirty="0" smtClean="0">
-              <a:latin typeface="Bookman Old Style" pitchFamily="18" charset="0"/>
-            </a:endParaRPr>
+              <a:rPr lang="en-GB" sz="1800" dirty="0" smtClean="0">
+                <a:latin typeface="Bookman Old Style" pitchFamily="18" charset="0"/>
+              </a:rPr>
+              <a:t>Figure 1: Ease of use</a:t>
+            </a:r>
           </a:p>
         </p:txBody>
       </p:sp>
@@ -7068,7 +6769,7 @@
         <p:spPr>
           <a:xfrm>
             <a:off x="4419600" y="19676826"/>
-            <a:ext cx="3028950" cy="707886"/>
+            <a:ext cx="3028950" cy="646331"/>
           </a:xfrm>
           <a:prstGeom prst="rect">
             <a:avLst/>
@@ -7082,20 +6783,11 @@
           <a:lstStyle/>
           <a:p>
             <a:r>
-              <a:rPr lang="en-GB" sz="2000" dirty="0" smtClean="0">
-                <a:latin typeface="Bookman Old Style" pitchFamily="18" charset="0"/>
-              </a:rPr>
-              <a:t>Figure 2:  </a:t>
-            </a:r>
-            <a:r>
-              <a:rPr lang="en-GB" sz="2000" dirty="0" smtClean="0">
-                <a:latin typeface="Bookman Old Style" pitchFamily="18" charset="0"/>
-              </a:rPr>
-              <a:t>Referencing style performance </a:t>
-            </a:r>
-            <a:endParaRPr lang="en-GB" sz="2000" dirty="0" smtClean="0">
-              <a:latin typeface="Bookman Old Style" pitchFamily="18" charset="0"/>
-            </a:endParaRPr>
+              <a:rPr lang="en-GB" sz="1800" dirty="0" smtClean="0">
+                <a:latin typeface="Bookman Old Style" pitchFamily="18" charset="0"/>
+              </a:rPr>
+              <a:t>Figure 2:  Referencing style performance </a:t>
+            </a:r>
           </a:p>
         </p:txBody>
       </p:sp>
@@ -7108,7 +6800,7 @@
         <p:spPr>
           <a:xfrm>
             <a:off x="7600950" y="19638726"/>
-            <a:ext cx="2552700" cy="707886"/>
+            <a:ext cx="2552700" cy="646331"/>
           </a:xfrm>
           <a:prstGeom prst="rect">
             <a:avLst/>
@@ -7122,20 +6814,17 @@
           <a:lstStyle/>
           <a:p>
             <a:r>
-              <a:rPr lang="en-GB" sz="2000" dirty="0" smtClean="0">
-                <a:latin typeface="Bookman Old Style" pitchFamily="18" charset="0"/>
-              </a:rPr>
-              <a:t>Figure 3: User </a:t>
-            </a:r>
-            <a:r>
-              <a:rPr lang="en-GB" sz="2000" dirty="0" smtClean="0">
-                <a:latin typeface="Bookman Old Style" pitchFamily="18" charset="0"/>
-              </a:rPr>
-              <a:t>style preference</a:t>
-            </a:r>
-            <a:endParaRPr lang="en-GB" sz="2000" dirty="0">
-              <a:latin typeface="Bookman Old Style" pitchFamily="18" charset="0"/>
-            </a:endParaRPr>
+              <a:rPr lang="en-GB" sz="1800" dirty="0" smtClean="0">
+                <a:latin typeface="Bookman Old Style" pitchFamily="18" charset="0"/>
+              </a:rPr>
+              <a:t>Figure 3: </a:t>
+            </a:r>
+            <a:r>
+              <a:rPr lang="en-GB" sz="1800" dirty="0" smtClean="0">
+                <a:latin typeface="Bookman Old Style" pitchFamily="18" charset="0"/>
+              </a:rPr>
+              <a:t>Visual feedback preference</a:t>
+            </a:r>
           </a:p>
         </p:txBody>
       </p:sp>
@@ -7148,7 +6837,7 @@
           <p:nvPr/>
         </p:nvPicPr>
         <p:blipFill>
-          <a:blip r:embed="rId10"/>
+          <a:blip r:embed="rId9"/>
           <a:srcRect/>
           <a:stretch>
             <a:fillRect/>
@@ -7181,7 +6870,7 @@
         <p:spPr>
           <a:xfrm>
             <a:off x="1483276" y="5048405"/>
-            <a:ext cx="8610624" cy="7478970"/>
+            <a:ext cx="8610624" cy="7786747"/>
           </a:xfrm>
           <a:prstGeom prst="rect">
             <a:avLst/>
@@ -7199,31 +6888,19 @@
               <a:rPr lang="en-ZA" sz="2000" dirty="0" smtClean="0">
                 <a:latin typeface="Bookman Old Style" pitchFamily="18" charset="0"/>
               </a:rPr>
-              <a:t>An investigation was undertaken to determine methods which can be employed to improve the usability of computers for the </a:t>
+              <a:t>An investigation was undertaken to determine methods which can be employed to improve the usability of computers for the elderly.</a:t>
+            </a:r>
+            <a:r>
+              <a:rPr lang="en-GB" sz="2000" dirty="0" smtClean="0">
+                <a:latin typeface="Bookman Old Style" pitchFamily="18" charset="0"/>
+              </a:rPr>
+              <a:t> </a:t>
             </a:r>
             <a:r>
               <a:rPr lang="en-ZA" sz="2000" dirty="0" smtClean="0">
                 <a:latin typeface="Bookman Old Style" pitchFamily="18" charset="0"/>
               </a:rPr>
-              <a:t>elderly.</a:t>
-            </a:r>
-            <a:r>
-              <a:rPr lang="en-GB" sz="2000" dirty="0" smtClean="0">
-                <a:latin typeface="Bookman Old Style" pitchFamily="18" charset="0"/>
-              </a:rPr>
-              <a:t> </a:t>
-            </a:r>
-            <a:r>
-              <a:rPr lang="en-ZA" sz="2000" dirty="0" smtClean="0">
-                <a:latin typeface="Bookman Old Style" pitchFamily="18" charset="0"/>
-              </a:rPr>
-              <a:t>The </a:t>
-            </a:r>
-            <a:r>
-              <a:rPr lang="en-ZA" sz="2000" dirty="0" smtClean="0">
-                <a:latin typeface="Bookman Old Style" pitchFamily="18" charset="0"/>
-              </a:rPr>
-              <a:t>investigation narrowed the scope of computer usage down specifically to web-browsing. Thus, the techniques determined to make web-browsing simpler, are likely able to be extrapolated to the task of making computers generally more usable for the elderly.</a:t>
+              <a:t>The investigation narrowed the scope of computer usage down specifically to web-browsing. Thus, the techniques determined to make web-browsing simpler, are likely able to be extrapolated to the task of making computers generally more usable for the elderly.</a:t>
             </a:r>
             <a:endParaRPr lang="en-GB" sz="2000" dirty="0" smtClean="0">
               <a:latin typeface="Bookman Old Style" pitchFamily="18" charset="0"/>
@@ -7235,13 +6912,7 @@
               <a:rPr lang="en-ZA" sz="2000" dirty="0" smtClean="0">
                 <a:latin typeface="Bookman Old Style" pitchFamily="18" charset="0"/>
               </a:rPr>
-              <a:t>Voice </a:t>
-            </a:r>
-            <a:r>
-              <a:rPr lang="en-ZA" sz="2000" dirty="0" smtClean="0">
-                <a:latin typeface="Bookman Old Style" pitchFamily="18" charset="0"/>
-              </a:rPr>
-              <a:t>recognition was perceived to be one way of improved computer usability for the elderly. Thus methods of voice referencing and visual annotations were specifically investigated.</a:t>
+              <a:t>Voice recognition was perceived to be one way of improved computer usability for the elderly. Thus methods of voice referencing and visual annotations were specifically investigated.</a:t>
             </a:r>
           </a:p>
           <a:p>
@@ -7263,15 +6934,51 @@
             </a:endParaRPr>
           </a:p>
           <a:p>
+            <a:pPr algn="just"/>
+            <a:r>
+              <a:rPr lang="en-ZA" sz="2000" dirty="0" smtClean="0">
+                <a:latin typeface="Bookman Old Style" pitchFamily="18" charset="0"/>
+              </a:rPr>
+              <a:t>Determine </a:t>
+            </a:r>
+            <a:r>
+              <a:rPr lang="en-ZA" sz="2000" dirty="0" smtClean="0">
+                <a:latin typeface="Bookman Old Style" pitchFamily="18" charset="0"/>
+              </a:rPr>
+              <a:t>which of  two voice referencing techniques performed better as a means of referencing </a:t>
+            </a:r>
+            <a:r>
+              <a:rPr lang="en-ZA" sz="2000" dirty="0" smtClean="0">
+                <a:latin typeface="Bookman Old Style" pitchFamily="18" charset="0"/>
+              </a:rPr>
+              <a:t>links (accuracy). These </a:t>
+            </a:r>
+            <a:r>
+              <a:rPr lang="en-ZA" sz="2000" dirty="0" smtClean="0">
+                <a:latin typeface="Bookman Old Style" pitchFamily="18" charset="0"/>
+              </a:rPr>
+              <a:t>referencing  techniques being:</a:t>
+            </a:r>
+            <a:endParaRPr lang="en-GB" sz="2000" dirty="0" smtClean="0">
+              <a:latin typeface="Bookman Old Style" pitchFamily="18" charset="0"/>
+            </a:endParaRPr>
+          </a:p>
+          <a:p>
             <a:pPr algn="just">
               <a:buFont typeface="Arial" pitchFamily="34" charset="0"/>
               <a:buChar char="•"/>
             </a:pPr>
             <a:r>
+              <a:rPr lang="en-GB" sz="2000" dirty="0" smtClean="0">
+                <a:latin typeface="Bookman Old Style" pitchFamily="18" charset="0"/>
+              </a:rPr>
+              <a:t> </a:t>
+            </a:r>
+            <a:r>
               <a:rPr lang="en-ZA" sz="2000" dirty="0" smtClean="0">
                 <a:latin typeface="Bookman Old Style" pitchFamily="18" charset="0"/>
               </a:rPr>
-              <a:t> Determine which of  two voice referencing techniques performed better as a means of referencing links (with regard to correct command-result outputs).These referencing  techniques being:</a:t>
+              <a:t>Numerical voice referencing : Assigning a sequential number to each link on a page and allowing users to reference links by specific numbers.</a:t>
             </a:r>
             <a:endParaRPr lang="en-GB" sz="2000" dirty="0" smtClean="0">
               <a:latin typeface="Bookman Old Style" pitchFamily="18" charset="0"/>
@@ -7292,7 +6999,7 @@
               <a:rPr lang="en-ZA" sz="2000" dirty="0" smtClean="0">
                 <a:latin typeface="Bookman Old Style" pitchFamily="18" charset="0"/>
               </a:rPr>
-              <a:t>Numerical voice referencing : Assigning a sequential number to each link on a page and allowing users to reference links by specific numbers.</a:t>
+              <a:t>Spoken link name referencing: Links are referenced by  a specified word within the link name</a:t>
             </a:r>
             <a:endParaRPr lang="en-GB" sz="2000" dirty="0" smtClean="0">
               <a:latin typeface="Bookman Old Style" pitchFamily="18" charset="0"/>
@@ -7304,32 +7011,23 @@
               <a:buChar char="•"/>
             </a:pPr>
             <a:r>
-              <a:rPr lang="en-GB" sz="2000" dirty="0" smtClean="0">
-                <a:latin typeface="Bookman Old Style" pitchFamily="18" charset="0"/>
-              </a:rPr>
-              <a:t> </a:t>
-            </a:r>
-            <a:r>
               <a:rPr lang="en-ZA" sz="2000" dirty="0" smtClean="0">
                 <a:latin typeface="Bookman Old Style" pitchFamily="18" charset="0"/>
               </a:rPr>
-              <a:t>Spoken link name referencing: Links are referenced by  a specified word within the link name</a:t>
-            </a:r>
-            <a:endParaRPr lang="en-GB" sz="2000" dirty="0" smtClean="0">
-              <a:latin typeface="Bookman Old Style" pitchFamily="18" charset="0"/>
-            </a:endParaRPr>
+              <a:t>Additionally, determine what techniques are preferred by the user (numerical or spoken link name referencing</a:t>
+            </a:r>
+            <a:r>
+              <a:rPr lang="en-ZA" sz="2000" dirty="0" smtClean="0">
+                <a:latin typeface="Bookman Old Style" pitchFamily="18" charset="0"/>
+              </a:rPr>
+              <a:t>)</a:t>
+            </a:r>
           </a:p>
           <a:p>
             <a:pPr algn="just">
               <a:buFont typeface="Arial" pitchFamily="34" charset="0"/>
               <a:buChar char="•"/>
             </a:pPr>
-            <a:r>
-              <a:rPr lang="en-ZA" sz="2000" dirty="0" smtClean="0">
-                <a:latin typeface="Bookman Old Style" pitchFamily="18" charset="0"/>
-              </a:rPr>
-              <a:t>Additionally, determine what techniques are preferred by the user (numerical or spoken link name referencing)</a:t>
-            </a:r>
             <a:endParaRPr lang="en-GB" sz="2000" dirty="0" smtClean="0">
               <a:latin typeface="Bookman Old Style" pitchFamily="18" charset="0"/>
             </a:endParaRPr>
@@ -7352,13 +7050,7 @@
               <a:rPr lang="en-ZA" sz="2000" dirty="0" smtClean="0">
                 <a:latin typeface="Bookman Old Style" pitchFamily="18" charset="0"/>
               </a:rPr>
-              <a:t>Determine what sort of visual techniques can be used to improve the usability of the </a:t>
-            </a:r>
-            <a:r>
-              <a:rPr lang="en-ZA" sz="2000" dirty="0" smtClean="0">
-                <a:latin typeface="Bookman Old Style" pitchFamily="18" charset="0"/>
-              </a:rPr>
-              <a:t>internet</a:t>
+              <a:t>Determine what sort of visual techniques can be used to improve the usability of the internet</a:t>
             </a:r>
             <a:endParaRPr lang="en-GB" sz="2000" dirty="0" smtClean="0">
               <a:latin typeface="Bookman Old Style" pitchFamily="18" charset="0"/>
@@ -7378,7 +7070,7 @@
         </p:xfrm>
         <a:graphic>
           <a:graphicData uri="http://schemas.openxmlformats.org/drawingml/2006/chart">
-            <c:chart xmlns:c="http://schemas.openxmlformats.org/drawingml/2006/chart" xmlns:r="http://schemas.openxmlformats.org/officeDocument/2006/relationships" r:id="rId11"/>
+            <c:chart xmlns:c="http://schemas.openxmlformats.org/drawingml/2006/chart" xmlns:r="http://schemas.openxmlformats.org/officeDocument/2006/relationships" r:id="rId10"/>
           </a:graphicData>
         </a:graphic>
       </p:graphicFrame>
@@ -7391,7 +7083,7 @@
         <p:spPr>
           <a:xfrm>
             <a:off x="20256500" y="5361218"/>
-            <a:ext cx="8509000" cy="1938992"/>
+            <a:ext cx="8509000" cy="1631216"/>
           </a:xfrm>
           <a:prstGeom prst="rect">
             <a:avLst/>
@@ -7436,7 +7128,37 @@
               <a:rPr lang="en-ZA" sz="2000" dirty="0" smtClean="0">
                 <a:latin typeface="Bookman Old Style" pitchFamily="18" charset="0"/>
               </a:rPr>
-              <a:t> iteration, numerical referencing seemed to perform better than spoken link name referencing. This indicates that having a predefined, familiar, vocabulary (i.e. set numbers) contributes to improved speech recognition performance (see Figure XXX).</a:t>
+              <a:t> iteration, numerical referencing </a:t>
+            </a:r>
+            <a:r>
+              <a:rPr lang="en-ZA" sz="2000" dirty="0" smtClean="0">
+                <a:latin typeface="Bookman Old Style" pitchFamily="18" charset="0"/>
+              </a:rPr>
+              <a:t>performed </a:t>
+            </a:r>
+            <a:r>
+              <a:rPr lang="en-ZA" sz="2000" dirty="0" smtClean="0">
+                <a:latin typeface="Bookman Old Style" pitchFamily="18" charset="0"/>
+              </a:rPr>
+              <a:t>better than spoken link name referencing. This indicates that having a predefined, familiar, vocabulary (i.e. set numbers) contributes to improved speech recognition performance (see </a:t>
+            </a:r>
+            <a:r>
+              <a:rPr lang="en-ZA" sz="2000" smtClean="0">
+                <a:latin typeface="Bookman Old Style" pitchFamily="18" charset="0"/>
+              </a:rPr>
+              <a:t>Figure </a:t>
+            </a:r>
+            <a:r>
+              <a:rPr lang="en-ZA" sz="2000" smtClean="0">
+                <a:latin typeface="Bookman Old Style" pitchFamily="18" charset="0"/>
+              </a:rPr>
+              <a:t>6</a:t>
+            </a:r>
+            <a:r>
+              <a:rPr lang="en-ZA" sz="2000" smtClean="0">
+                <a:latin typeface="Bookman Old Style" pitchFamily="18" charset="0"/>
+              </a:rPr>
+              <a:t>).</a:t>
             </a:r>
             <a:endParaRPr lang="en-ZA" dirty="0">
               <a:latin typeface="Bookman Old Style" pitchFamily="18" charset="0"/>
@@ -7452,7 +7174,7 @@
         </p:nvSpPr>
         <p:spPr>
           <a:xfrm>
-            <a:off x="20269201" y="9093201"/>
+            <a:off x="20243801" y="9436101"/>
             <a:ext cx="8483600" cy="2246769"/>
           </a:xfrm>
           <a:prstGeom prst="rect">
@@ -7500,12 +7222,12 @@
           <p:nvPr/>
         </p:nvGraphicFramePr>
         <p:xfrm>
-          <a:off x="24549100" y="7124700"/>
+          <a:off x="24701500" y="7099300"/>
           <a:ext cx="3924300" cy="1981200"/>
         </p:xfrm>
         <a:graphic>
           <a:graphicData uri="http://schemas.openxmlformats.org/drawingml/2006/chart">
-            <c:chart xmlns:c="http://schemas.openxmlformats.org/drawingml/2006/chart" xmlns:r="http://schemas.openxmlformats.org/officeDocument/2006/relationships" r:id="rId12"/>
+            <c:chart xmlns:c="http://schemas.openxmlformats.org/drawingml/2006/chart" xmlns:r="http://schemas.openxmlformats.org/officeDocument/2006/relationships" r:id="rId11"/>
           </a:graphicData>
         </a:graphic>
       </p:graphicFrame>
@@ -7521,7 +7243,7 @@
         </p:xfrm>
         <a:graphic>
           <a:graphicData uri="http://schemas.openxmlformats.org/drawingml/2006/chart">
-            <c:chart xmlns:c="http://schemas.openxmlformats.org/drawingml/2006/chart" xmlns:r="http://schemas.openxmlformats.org/officeDocument/2006/relationships" r:id="rId13"/>
+            <c:chart xmlns:c="http://schemas.openxmlformats.org/drawingml/2006/chart" xmlns:r="http://schemas.openxmlformats.org/officeDocument/2006/relationships" r:id="rId12"/>
           </a:graphicData>
         </a:graphic>
       </p:graphicFrame>
@@ -7532,12 +7254,12 @@
           <p:nvPr/>
         </p:nvGraphicFramePr>
         <p:xfrm>
-          <a:off x="24307800" y="14262100"/>
+          <a:off x="24307800" y="14274800"/>
           <a:ext cx="3708400" cy="2044700"/>
         </p:xfrm>
         <a:graphic>
           <a:graphicData uri="http://schemas.openxmlformats.org/drawingml/2006/chart">
-            <c:chart xmlns:c="http://schemas.openxmlformats.org/drawingml/2006/chart" xmlns:r="http://schemas.openxmlformats.org/officeDocument/2006/relationships" r:id="rId14"/>
+            <c:chart xmlns:c="http://schemas.openxmlformats.org/drawingml/2006/chart" xmlns:r="http://schemas.openxmlformats.org/officeDocument/2006/relationships" r:id="rId13"/>
           </a:graphicData>
         </a:graphic>
       </p:graphicFrame>
@@ -7549,7 +7271,7 @@
         </p:nvSpPr>
         <p:spPr>
           <a:xfrm>
-            <a:off x="20345400" y="11341101"/>
+            <a:off x="20332700" y="11569701"/>
             <a:ext cx="8305800" cy="2862322"/>
           </a:xfrm>
           <a:prstGeom prst="rect">
@@ -7571,7 +7293,19 @@
               <a:rPr lang="en-ZA" sz="2000" dirty="0" smtClean="0">
                 <a:latin typeface="Bookman Old Style" pitchFamily="18" charset="0"/>
               </a:rPr>
-              <a:t>The error rate for the elderly was expected to increase with age. This generally did occur for all iterations as is indicated in Figure XXX.  A few anomalies are however noted. </a:t>
+              <a:t>The error rate for the elderly was expected to increase with age. This generally did occur for all iterations as is indicated in Figure </a:t>
+            </a:r>
+            <a:r>
+              <a:rPr lang="en-ZA" sz="2000" dirty="0" smtClean="0">
+                <a:latin typeface="Bookman Old Style" pitchFamily="18" charset="0"/>
+              </a:rPr>
+              <a:t>8.  </a:t>
+            </a:r>
+            <a:r>
+              <a:rPr lang="en-ZA" sz="2000" dirty="0" smtClean="0">
+                <a:latin typeface="Bookman Old Style" pitchFamily="18" charset="0"/>
+              </a:rPr>
+              <a:t>A few anomalies are however noted. </a:t>
             </a:r>
           </a:p>
           <a:p>
@@ -7592,7 +7326,37 @@
               <a:rPr lang="en-ZA" sz="2000" dirty="0" smtClean="0">
                 <a:latin typeface="Bookman Old Style" pitchFamily="18" charset="0"/>
               </a:rPr>
-              <a:t>The average errors per gender were recorded for each iteration (See Figure XXX). There seems to be a significant performance difference between male and female voice recognition performance results. This indicates that speech engines may need special training for female subjects. </a:t>
+              <a:t>The average errors per gender were recorded for each iteration (See Figure </a:t>
+            </a:r>
+            <a:r>
+              <a:rPr lang="en-ZA" sz="2000" dirty="0" smtClean="0">
+                <a:latin typeface="Bookman Old Style" pitchFamily="18" charset="0"/>
+              </a:rPr>
+              <a:t>9</a:t>
+            </a:r>
+            <a:r>
+              <a:rPr lang="en-ZA" sz="2000" dirty="0" smtClean="0">
+                <a:latin typeface="Bookman Old Style" pitchFamily="18" charset="0"/>
+              </a:rPr>
+              <a:t>). </a:t>
+            </a:r>
+            <a:r>
+              <a:rPr lang="en-ZA" sz="2000" dirty="0" smtClean="0">
+                <a:latin typeface="Bookman Old Style" pitchFamily="18" charset="0"/>
+              </a:rPr>
+              <a:t>There seems to be a </a:t>
+            </a:r>
+            <a:r>
+              <a:rPr lang="en-ZA" sz="2000" dirty="0" smtClean="0">
+                <a:latin typeface="Bookman Old Style" pitchFamily="18" charset="0"/>
+              </a:rPr>
+              <a:t>significant </a:t>
+            </a:r>
+            <a:r>
+              <a:rPr lang="en-ZA" sz="2000" dirty="0" smtClean="0">
+                <a:latin typeface="Bookman Old Style" pitchFamily="18" charset="0"/>
+              </a:rPr>
+              <a:t>difference between male and female voice recognition performance results. This indicates that speech engines may need special training for female subjects. </a:t>
             </a:r>
           </a:p>
         </p:txBody>
@@ -7652,6 +7416,186 @@
             <a:endParaRPr lang="en-ZA" sz="2000" dirty="0">
               <a:latin typeface="Bookman Old Style" pitchFamily="18" charset="0"/>
             </a:endParaRPr>
+          </a:p>
+        </p:txBody>
+      </p:sp>
+      <p:graphicFrame>
+        <p:nvGraphicFramePr>
+          <p:cNvPr id="66" name="Chart 65"/>
+          <p:cNvGraphicFramePr/>
+          <p:nvPr/>
+        </p:nvGraphicFramePr>
+        <p:xfrm>
+          <a:off x="7010400" y="17360900"/>
+          <a:ext cx="4102099" cy="2387600"/>
+        </p:xfrm>
+        <a:graphic>
+          <a:graphicData uri="http://schemas.openxmlformats.org/drawingml/2006/chart">
+            <c:chart xmlns:c="http://schemas.openxmlformats.org/drawingml/2006/chart" xmlns:r="http://schemas.openxmlformats.org/officeDocument/2006/relationships" r:id="rId14"/>
+          </a:graphicData>
+        </a:graphic>
+      </p:graphicFrame>
+      <p:sp>
+        <p:nvSpPr>
+          <p:cNvPr id="67" name="TextBox 66"/>
+          <p:cNvSpPr txBox="1"/>
+          <p:nvPr/>
+        </p:nvSpPr>
+        <p:spPr>
+          <a:xfrm>
+            <a:off x="20931868" y="8937897"/>
+            <a:ext cx="3502932" cy="369332"/>
+          </a:xfrm>
+          <a:prstGeom prst="rect">
+            <a:avLst/>
+          </a:prstGeom>
+          <a:noFill/>
+        </p:spPr>
+        <p:txBody>
+          <a:bodyPr wrap="square" rtlCol="0">
+            <a:spAutoFit/>
+          </a:bodyPr>
+          <a:lstStyle/>
+          <a:p>
+            <a:r>
+              <a:rPr lang="en-GB" sz="1800" dirty="0" smtClean="0">
+                <a:latin typeface="Bookman Old Style" pitchFamily="18" charset="0"/>
+              </a:rPr>
+              <a:t>Figure </a:t>
+            </a:r>
+            <a:r>
+              <a:rPr lang="en-GB" sz="1800" dirty="0" smtClean="0">
+                <a:latin typeface="Bookman Old Style" pitchFamily="18" charset="0"/>
+              </a:rPr>
+              <a:t>6: Error rates</a:t>
+            </a:r>
+            <a:endParaRPr lang="en-GB" dirty="0"/>
+          </a:p>
+        </p:txBody>
+      </p:sp>
+      <p:sp>
+        <p:nvSpPr>
+          <p:cNvPr id="77" name="TextBox 76"/>
+          <p:cNvSpPr txBox="1"/>
+          <p:nvPr/>
+        </p:nvSpPr>
+        <p:spPr>
+          <a:xfrm>
+            <a:off x="24498300" y="8925197"/>
+            <a:ext cx="4064000" cy="369332"/>
+          </a:xfrm>
+          <a:prstGeom prst="rect">
+            <a:avLst/>
+          </a:prstGeom>
+          <a:noFill/>
+        </p:spPr>
+        <p:txBody>
+          <a:bodyPr wrap="square" rtlCol="0">
+            <a:spAutoFit/>
+          </a:bodyPr>
+          <a:lstStyle/>
+          <a:p>
+            <a:r>
+              <a:rPr lang="en-GB" sz="1800" dirty="0" smtClean="0">
+                <a:latin typeface="Bookman Old Style" pitchFamily="18" charset="0"/>
+              </a:rPr>
+              <a:t>Figure </a:t>
+            </a:r>
+            <a:r>
+              <a:rPr lang="en-GB" sz="1800" dirty="0" smtClean="0">
+                <a:latin typeface="Bookman Old Style" pitchFamily="18" charset="0"/>
+              </a:rPr>
+              <a:t>7: Preference summery</a:t>
+            </a:r>
+            <a:endParaRPr lang="en-GB" dirty="0"/>
+          </a:p>
+        </p:txBody>
+      </p:sp>
+      <p:sp>
+        <p:nvSpPr>
+          <p:cNvPr id="78" name="TextBox 77"/>
+          <p:cNvSpPr txBox="1"/>
+          <p:nvPr/>
+        </p:nvSpPr>
+        <p:spPr>
+          <a:xfrm>
+            <a:off x="20931868" y="16253097"/>
+            <a:ext cx="3502932" cy="369332"/>
+          </a:xfrm>
+          <a:prstGeom prst="rect">
+            <a:avLst/>
+          </a:prstGeom>
+          <a:noFill/>
+        </p:spPr>
+        <p:txBody>
+          <a:bodyPr wrap="square" rtlCol="0">
+            <a:spAutoFit/>
+          </a:bodyPr>
+          <a:lstStyle/>
+          <a:p>
+            <a:r>
+              <a:rPr lang="en-GB" sz="1800" dirty="0" smtClean="0">
+                <a:latin typeface="Bookman Old Style" pitchFamily="18" charset="0"/>
+              </a:rPr>
+              <a:t>Figure </a:t>
+            </a:r>
+            <a:r>
+              <a:rPr lang="en-GB" sz="1800" dirty="0" smtClean="0">
+                <a:latin typeface="Bookman Old Style" pitchFamily="18" charset="0"/>
+              </a:rPr>
+              <a:t>8</a:t>
+            </a:r>
+            <a:r>
+              <a:rPr lang="en-GB" sz="1800" dirty="0" smtClean="0">
+                <a:latin typeface="Bookman Old Style" pitchFamily="18" charset="0"/>
+              </a:rPr>
+              <a:t>: Error rates for ages</a:t>
+            </a:r>
+            <a:endParaRPr lang="en-GB" dirty="0"/>
+          </a:p>
+        </p:txBody>
+      </p:sp>
+      <p:sp>
+        <p:nvSpPr>
+          <p:cNvPr id="79" name="TextBox 78"/>
+          <p:cNvSpPr txBox="1"/>
+          <p:nvPr/>
+        </p:nvSpPr>
+        <p:spPr>
+          <a:xfrm>
+            <a:off x="24485600" y="16227697"/>
+            <a:ext cx="4064000" cy="369332"/>
+          </a:xfrm>
+          <a:prstGeom prst="rect">
+            <a:avLst/>
+          </a:prstGeom>
+          <a:noFill/>
+        </p:spPr>
+        <p:txBody>
+          <a:bodyPr wrap="square" rtlCol="0">
+            <a:spAutoFit/>
+          </a:bodyPr>
+          <a:lstStyle/>
+          <a:p>
+            <a:r>
+              <a:rPr lang="en-GB" sz="1800" dirty="0" smtClean="0">
+                <a:latin typeface="Bookman Old Style" pitchFamily="18" charset="0"/>
+              </a:rPr>
+              <a:t>Figure </a:t>
+            </a:r>
+            <a:r>
+              <a:rPr lang="en-GB" sz="1800" dirty="0" smtClean="0">
+                <a:latin typeface="Bookman Old Style" pitchFamily="18" charset="0"/>
+              </a:rPr>
+              <a:t>9</a:t>
+            </a:r>
+            <a:r>
+              <a:rPr lang="en-GB" sz="1800" dirty="0" smtClean="0">
+                <a:latin typeface="Bookman Old Style" pitchFamily="18" charset="0"/>
+              </a:rPr>
+              <a:t>: Error rates for sexes</a:t>
+            </a:r>
+            <a:endParaRPr lang="en-GB" dirty="0"/>
           </a:p>
         </p:txBody>
       </p:sp>
